--- a/New Shepard Presentation.pptx
+++ b/New Shepard Presentation.pptx
@@ -13,7 +13,8 @@
     <p:sldId id="261" r:id="rId7"/>
     <p:sldId id="263" r:id="rId8"/>
     <p:sldId id="262" r:id="rId9"/>
-    <p:sldId id="264" r:id="rId10"/>
+    <p:sldId id="265" r:id="rId10"/>
+    <p:sldId id="264" r:id="rId11"/>
   </p:sldIdLst>
   <p:sldSz cx="12192000" cy="6858000"/>
   <p:notesSz cx="6858000" cy="9144000"/>
@@ -123,8 +124,10 @@
 <file path=ppt/revisionInfo.xml><?xml version="1.0" encoding="utf-8"?>
 <p1510:revInfo xmlns:a="http://schemas.openxmlformats.org/drawingml/2006/main" xmlns:r="http://schemas.openxmlformats.org/officeDocument/2006/relationships" xmlns:p1510="http://schemas.microsoft.com/office/powerpoint/2015/10/main">
   <p1510:revLst>
+    <p1510:client id="{1CA0AFB3-9151-9639-4884-74C5FAB4BE2E}" v="3" dt="2024-12-17T22:49:51.875"/>
     <p1510:client id="{1D5B794B-44AC-1D17-FB2B-9A0A50AD298E}" v="322" dt="2024-12-17T20:21:02.301"/>
     <p1510:client id="{4B22F193-CB48-E2DD-47B9-57453F4DDF73}" v="451" dt="2024-12-17T21:10:06.753"/>
+    <p1510:client id="{5F669A9A-2EEA-A769-CA64-8C792EF3F3E3}" v="70" dt="2024-12-17T23:04:55.408"/>
   </p1510:revLst>
 </p1510:revInfo>
 </file>
@@ -8904,6 +8907,1986 @@
 </p:sld>
 </file>
 
+<file path=ppt/slides/slide10.xml><?xml version="1.0" encoding="utf-8"?>
+<p:sld xmlns:a="http://schemas.openxmlformats.org/drawingml/2006/main" xmlns:r="http://schemas.openxmlformats.org/officeDocument/2006/relationships" xmlns:p="http://schemas.openxmlformats.org/presentationml/2006/main">
+  <p:cSld>
+    <p:bg>
+      <p:bgPr>
+        <a:solidFill>
+          <a:schemeClr val="bg2"/>
+        </a:solidFill>
+        <a:effectLst/>
+      </p:bgPr>
+    </p:bg>
+    <p:spTree>
+      <p:nvGrpSpPr>
+        <p:cNvPr id="1" name=""/>
+        <p:cNvGrpSpPr/>
+        <p:nvPr/>
+      </p:nvGrpSpPr>
+      <p:grpSpPr>
+        <a:xfrm>
+          <a:off x="0" y="0"/>
+          <a:ext cx="0" cy="0"/>
+          <a:chOff x="0" y="0"/>
+          <a:chExt cx="0" cy="0"/>
+        </a:xfrm>
+      </p:grpSpPr>
+      <p:sp>
+        <p:nvSpPr>
+          <p:cNvPr id="31" name="Freeform: Shape 6">
+            <a:extLst>
+              <a:ext uri="{FF2B5EF4-FFF2-40B4-BE49-F238E27FC236}">
+                <a16:creationId xmlns:a16="http://schemas.microsoft.com/office/drawing/2014/main" id="{82184FF4-7029-4ED7-813A-192E60608764}"/>
+              </a:ext>
+              <a:ext uri="{C183D7F6-B498-43B3-948B-1728B52AA6E4}">
+                <adec:decorative xmlns:adec="http://schemas.microsoft.com/office/drawing/2017/decorative" val="1"/>
+              </a:ext>
+            </a:extLst>
+          </p:cNvPr>
+          <p:cNvSpPr>
+            <a:spLocks noGrp="1" noRot="1" noChangeAspect="1" noMove="1" noResize="1" noEditPoints="1" noAdjustHandles="1" noChangeArrowheads="1" noChangeShapeType="1" noTextEdit="1"/>
+          </p:cNvSpPr>
+          <p:nvPr>
+            <p:extLst>
+              <p:ext uri="{386F3935-93C4-4BCD-93E2-E3B085C9AB24}">
+                <p16:designElem xmlns:p16="http://schemas.microsoft.com/office/powerpoint/2015/main" val="1"/>
+              </p:ext>
+            </p:extLst>
+          </p:nvPr>
+        </p:nvSpPr>
+        <p:spPr>
+          <a:xfrm rot="2700000">
+            <a:off x="612445" y="481888"/>
+            <a:ext cx="1080000" cy="1262947"/>
+          </a:xfrm>
+          <a:custGeom>
+            <a:avLst/>
+            <a:gdLst/>
+            <a:ahLst/>
+            <a:cxnLst/>
+            <a:rect l="l" t="t" r="r" b="b"/>
+            <a:pathLst>
+              <a:path w="1080000" h="1262947">
+                <a:moveTo>
+                  <a:pt x="540000" y="0"/>
+                </a:moveTo>
+                <a:lnTo>
+                  <a:pt x="1064374" y="931034"/>
+                </a:lnTo>
+                <a:lnTo>
+                  <a:pt x="1069029" y="938533"/>
+                </a:lnTo>
+                <a:cubicBezTo>
+                  <a:pt x="1076223" y="956109"/>
+                  <a:pt x="1080000" y="974307"/>
+                  <a:pt x="1080000" y="992947"/>
+                </a:cubicBezTo>
+                <a:cubicBezTo>
+                  <a:pt x="1080000" y="1142064"/>
+                  <a:pt x="838234" y="1262947"/>
+                  <a:pt x="540000" y="1262947"/>
+                </a:cubicBezTo>
+                <a:cubicBezTo>
+                  <a:pt x="241766" y="1262947"/>
+                  <a:pt x="0" y="1142064"/>
+                  <a:pt x="0" y="992947"/>
+                </a:cubicBezTo>
+                <a:cubicBezTo>
+                  <a:pt x="0" y="974307"/>
+                  <a:pt x="3778" y="956109"/>
+                  <a:pt x="10971" y="938533"/>
+                </a:cubicBezTo>
+                <a:lnTo>
+                  <a:pt x="15626" y="931034"/>
+                </a:lnTo>
+                <a:lnTo>
+                  <a:pt x="540000" y="0"/>
+                </a:lnTo>
+                <a:close/>
+              </a:path>
+            </a:pathLst>
+          </a:custGeom>
+          <a:gradFill>
+            <a:gsLst>
+              <a:gs pos="60000">
+                <a:schemeClr val="bg2">
+                  <a:lumMod val="90000"/>
+                  <a:lumOff val="10000"/>
+                </a:schemeClr>
+              </a:gs>
+              <a:gs pos="30000">
+                <a:schemeClr val="bg2">
+                  <a:lumMod val="90000"/>
+                  <a:lumOff val="10000"/>
+                </a:schemeClr>
+              </a:gs>
+              <a:gs pos="40000">
+                <a:schemeClr val="bg2">
+                  <a:lumMod val="75000"/>
+                  <a:lumOff val="25000"/>
+                </a:schemeClr>
+              </a:gs>
+              <a:gs pos="100000">
+                <a:schemeClr val="bg2"/>
+              </a:gs>
+            </a:gsLst>
+            <a:lin ang="600000" scaled="0"/>
+          </a:gradFill>
+          <a:ln>
+            <a:noFill/>
+          </a:ln>
+          <a:effectLst>
+            <a:innerShdw blurRad="254000" dist="101600" dir="2700000">
+              <a:schemeClr val="accent1">
+                <a:lumMod val="60000"/>
+                <a:lumOff val="40000"/>
+                <a:alpha val="40000"/>
+              </a:schemeClr>
+            </a:innerShdw>
+          </a:effectLst>
+        </p:spPr>
+        <p:style>
+          <a:lnRef idx="2">
+            <a:schemeClr val="accent1">
+              <a:shade val="50000"/>
+            </a:schemeClr>
+          </a:lnRef>
+          <a:fillRef idx="1">
+            <a:schemeClr val="accent1"/>
+          </a:fillRef>
+          <a:effectRef idx="0">
+            <a:schemeClr val="accent1"/>
+          </a:effectRef>
+          <a:fontRef idx="minor">
+            <a:schemeClr val="lt1"/>
+          </a:fontRef>
+        </p:style>
+        <p:txBody>
+          <a:bodyPr rot="0" spcFirstLastPara="0" vertOverflow="overflow" horzOverflow="overflow" vert="horz" wrap="square" lIns="91440" tIns="45720" rIns="91440" bIns="45720" numCol="1" spcCol="0" rtlCol="0" fromWordArt="0" anchor="ctr" anchorCtr="0" forceAA="0" compatLnSpc="1">
+            <a:prstTxWarp prst="textNoShape">
+              <a:avLst/>
+            </a:prstTxWarp>
+            <a:noAutofit/>
+          </a:bodyPr>
+          <a:lstStyle/>
+          <a:p>
+            <a:pPr algn="ctr"/>
+            <a:endParaRPr lang="en-US"/>
+          </a:p>
+        </p:txBody>
+      </p:sp>
+      <p:sp>
+        <p:nvSpPr>
+          <p:cNvPr id="32" name="Oval 8">
+            <a:extLst>
+              <a:ext uri="{FF2B5EF4-FFF2-40B4-BE49-F238E27FC236}">
+                <a16:creationId xmlns:a16="http://schemas.microsoft.com/office/drawing/2014/main" id="{AAA7AB09-557C-41AD-9113-FF9F68FA1035}"/>
+              </a:ext>
+              <a:ext uri="{C183D7F6-B498-43B3-948B-1728B52AA6E4}">
+                <adec:decorative xmlns:adec="http://schemas.microsoft.com/office/drawing/2017/decorative" val="1"/>
+              </a:ext>
+            </a:extLst>
+          </p:cNvPr>
+          <p:cNvSpPr>
+            <a:spLocks noGrp="1" noRot="1" noChangeAspect="1" noMove="1" noResize="1" noEditPoints="1" noAdjustHandles="1" noChangeArrowheads="1" noChangeShapeType="1" noTextEdit="1"/>
+          </p:cNvSpPr>
+          <p:nvPr>
+            <p:extLst>
+              <p:ext uri="{386F3935-93C4-4BCD-93E2-E3B085C9AB24}">
+                <p16:designElem xmlns:p16="http://schemas.microsoft.com/office/powerpoint/2015/main" val="1"/>
+              </p:ext>
+            </p:extLst>
+          </p:nvPr>
+        </p:nvSpPr>
+        <p:spPr>
+          <a:xfrm rot="8100000">
+            <a:off x="626845" y="828962"/>
+            <a:ext cx="540000" cy="1080000"/>
+          </a:xfrm>
+          <a:prstGeom prst="ellipse">
+            <a:avLst/>
+          </a:prstGeom>
+          <a:gradFill>
+            <a:gsLst>
+              <a:gs pos="100000">
+                <a:schemeClr val="bg2">
+                  <a:lumMod val="90000"/>
+                  <a:lumOff val="10000"/>
+                </a:schemeClr>
+              </a:gs>
+              <a:gs pos="50000">
+                <a:schemeClr val="bg2">
+                  <a:lumMod val="95000"/>
+                  <a:lumOff val="5000"/>
+                </a:schemeClr>
+              </a:gs>
+            </a:gsLst>
+            <a:lin ang="5400000" scaled="0"/>
+          </a:gradFill>
+          <a:ln>
+            <a:noFill/>
+          </a:ln>
+          <a:effectLst>
+            <a:innerShdw blurRad="1270000" dist="2540000">
+              <a:schemeClr val="accent1">
+                <a:lumMod val="60000"/>
+                <a:lumOff val="40000"/>
+                <a:alpha val="0"/>
+              </a:schemeClr>
+            </a:innerShdw>
+          </a:effectLst>
+        </p:spPr>
+        <p:style>
+          <a:lnRef idx="2">
+            <a:schemeClr val="accent1">
+              <a:shade val="50000"/>
+            </a:schemeClr>
+          </a:lnRef>
+          <a:fillRef idx="1">
+            <a:schemeClr val="accent1"/>
+          </a:fillRef>
+          <a:effectRef idx="0">
+            <a:schemeClr val="accent1"/>
+          </a:effectRef>
+          <a:fontRef idx="minor">
+            <a:schemeClr val="lt1"/>
+          </a:fontRef>
+        </p:style>
+        <p:txBody>
+          <a:bodyPr rot="0" spcFirstLastPara="0" vertOverflow="overflow" horzOverflow="overflow" vert="horz" wrap="square" lIns="91440" tIns="45720" rIns="91440" bIns="45720" numCol="1" spcCol="0" rtlCol="0" fromWordArt="0" anchor="ctr" anchorCtr="0" forceAA="0" compatLnSpc="1">
+            <a:prstTxWarp prst="textNoShape">
+              <a:avLst/>
+            </a:prstTxWarp>
+            <a:noAutofit/>
+          </a:bodyPr>
+          <a:lstStyle/>
+          <a:p>
+            <a:pPr algn="ctr"/>
+            <a:endParaRPr lang="en-US"/>
+          </a:p>
+        </p:txBody>
+      </p:sp>
+      <p:sp>
+        <p:nvSpPr>
+          <p:cNvPr id="33" name="Oval 10">
+            <a:extLst>
+              <a:ext uri="{FF2B5EF4-FFF2-40B4-BE49-F238E27FC236}">
+                <a16:creationId xmlns:a16="http://schemas.microsoft.com/office/drawing/2014/main" id="{EF99ECAA-1F11-4937-BBA6-51935AB44C9D}"/>
+              </a:ext>
+              <a:ext uri="{C183D7F6-B498-43B3-948B-1728B52AA6E4}">
+                <adec:decorative xmlns:adec="http://schemas.microsoft.com/office/drawing/2017/decorative" val="1"/>
+              </a:ext>
+            </a:extLst>
+          </p:cNvPr>
+          <p:cNvSpPr>
+            <a:spLocks noGrp="1" noRot="1" noChangeAspect="1" noMove="1" noResize="1" noEditPoints="1" noAdjustHandles="1" noChangeArrowheads="1" noChangeShapeType="1" noTextEdit="1"/>
+          </p:cNvSpPr>
+          <p:nvPr>
+            <p:extLst>
+              <p:ext uri="{386F3935-93C4-4BCD-93E2-E3B085C9AB24}">
+                <p16:designElem xmlns:p16="http://schemas.microsoft.com/office/powerpoint/2015/main" val="1"/>
+              </p:ext>
+            </p:extLst>
+          </p:nvPr>
+        </p:nvSpPr>
+        <p:spPr>
+          <a:xfrm>
+            <a:off x="1800802" y="2472855"/>
+            <a:ext cx="360000" cy="360000"/>
+          </a:xfrm>
+          <a:prstGeom prst="ellipse">
+            <a:avLst/>
+          </a:prstGeom>
+          <a:gradFill flip="none" rotWithShape="1">
+            <a:gsLst>
+              <a:gs pos="100000">
+                <a:schemeClr val="bg2">
+                  <a:lumMod val="50000"/>
+                  <a:lumOff val="50000"/>
+                </a:schemeClr>
+              </a:gs>
+              <a:gs pos="60000">
+                <a:schemeClr val="bg2"/>
+              </a:gs>
+            </a:gsLst>
+            <a:path path="circle">
+              <a:fillToRect l="100000" b="100000"/>
+            </a:path>
+            <a:tileRect t="-100000" r="-100000"/>
+          </a:gradFill>
+          <a:ln>
+            <a:noFill/>
+          </a:ln>
+          <a:effectLst>
+            <a:innerShdw blurRad="127000" dist="63500" dir="2700000">
+              <a:schemeClr val="accent1">
+                <a:lumMod val="60000"/>
+                <a:lumOff val="40000"/>
+                <a:alpha val="20000"/>
+              </a:schemeClr>
+            </a:innerShdw>
+            <a:softEdge rad="0"/>
+          </a:effectLst>
+        </p:spPr>
+        <p:style>
+          <a:lnRef idx="2">
+            <a:schemeClr val="accent1">
+              <a:shade val="50000"/>
+            </a:schemeClr>
+          </a:lnRef>
+          <a:fillRef idx="1">
+            <a:schemeClr val="accent1"/>
+          </a:fillRef>
+          <a:effectRef idx="0">
+            <a:schemeClr val="accent1"/>
+          </a:effectRef>
+          <a:fontRef idx="minor">
+            <a:schemeClr val="lt1"/>
+          </a:fontRef>
+        </p:style>
+        <p:txBody>
+          <a:bodyPr rot="0" spcFirstLastPara="0" vertOverflow="overflow" horzOverflow="overflow" vert="horz" wrap="square" lIns="91440" tIns="45720" rIns="91440" bIns="45720" numCol="1" spcCol="0" rtlCol="0" fromWordArt="0" anchor="ctr" anchorCtr="0" forceAA="0" compatLnSpc="1">
+            <a:prstTxWarp prst="textNoShape">
+              <a:avLst/>
+            </a:prstTxWarp>
+            <a:noAutofit/>
+          </a:bodyPr>
+          <a:lstStyle/>
+          <a:p>
+            <a:pPr algn="ctr"/>
+            <a:endParaRPr lang="en-US"/>
+          </a:p>
+        </p:txBody>
+      </p:sp>
+      <p:grpSp>
+        <p:nvGrpSpPr>
+          <p:cNvPr id="34" name="Group 12">
+            <a:extLst>
+              <a:ext uri="{FF2B5EF4-FFF2-40B4-BE49-F238E27FC236}">
+                <a16:creationId xmlns:a16="http://schemas.microsoft.com/office/drawing/2014/main" id="{79DE9FAB-6BBA-4CFE-B67D-77B47F01ECA4}"/>
+              </a:ext>
+              <a:ext uri="{C183D7F6-B498-43B3-948B-1728B52AA6E4}">
+                <adec:decorative xmlns:adec="http://schemas.microsoft.com/office/drawing/2017/decorative" val="1"/>
+              </a:ext>
+            </a:extLst>
+          </p:cNvPr>
+          <p:cNvGrpSpPr>
+            <a:grpSpLocks noGrp="1" noUngrp="1" noRot="1" noChangeAspect="1" noMove="1" noResize="1"/>
+          </p:cNvGrpSpPr>
+          <p:nvPr>
+            <p:extLst>
+              <p:ext uri="{386F3935-93C4-4BCD-93E2-E3B085C9AB24}">
+                <p16:designElem xmlns:p16="http://schemas.microsoft.com/office/powerpoint/2015/main" val="1"/>
+              </p:ext>
+            </p:extLst>
+          </p:nvPr>
+        </p:nvGrpSpPr>
+        <p:grpSpPr>
+          <a:xfrm>
+            <a:off x="1329952" y="4524379"/>
+            <a:ext cx="1980001" cy="1363916"/>
+            <a:chOff x="4879602" y="3781429"/>
+            <a:chExt cx="1980001" cy="1363916"/>
+          </a:xfrm>
+        </p:grpSpPr>
+        <p:sp>
+          <p:nvSpPr>
+            <p:cNvPr id="14" name="Freeform: Shape 13">
+              <a:extLst>
+                <a:ext uri="{FF2B5EF4-FFF2-40B4-BE49-F238E27FC236}">
+                  <a16:creationId xmlns:a16="http://schemas.microsoft.com/office/drawing/2014/main" id="{79FAC916-D9BB-4794-81B4-7C47C67E850D}"/>
+                </a:ext>
+                <a:ext uri="{C183D7F6-B498-43B3-948B-1728B52AA6E4}">
+                  <adec:decorative xmlns:adec="http://schemas.microsoft.com/office/drawing/2017/decorative" val="1"/>
+                </a:ext>
+              </a:extLst>
+            </p:cNvPr>
+            <p:cNvSpPr>
+              <a:spLocks noChangeAspect="1"/>
+            </p:cNvSpPr>
+            <p:nvPr>
+              <p:extLst>
+                <p:ext uri="{386F3935-93C4-4BCD-93E2-E3B085C9AB24}">
+                  <p16:designElem xmlns:p16="http://schemas.microsoft.com/office/powerpoint/2015/main" val="1"/>
+                </p:ext>
+              </p:extLst>
+            </p:nvPr>
+          </p:nvSpPr>
+          <p:spPr>
+            <a:xfrm rot="18900000" flipV="1">
+              <a:off x="5005634" y="4191206"/>
+              <a:ext cx="1853969" cy="926985"/>
+            </a:xfrm>
+            <a:custGeom>
+              <a:avLst/>
+              <a:gdLst>
+                <a:gd name="connsiteX0" fmla="*/ 1329373 w 2658746"/>
+                <a:gd name="connsiteY0" fmla="*/ 0 h 1329373"/>
+                <a:gd name="connsiteX1" fmla="*/ 2658746 w 2658746"/>
+                <a:gd name="connsiteY1" fmla="*/ 1329373 h 1329373"/>
+                <a:gd name="connsiteX2" fmla="*/ 1994059 w 2658746"/>
+                <a:gd name="connsiteY2" fmla="*/ 1329373 h 1329373"/>
+                <a:gd name="connsiteX3" fmla="*/ 1329373 w 2658746"/>
+                <a:gd name="connsiteY3" fmla="*/ 664687 h 1329373"/>
+                <a:gd name="connsiteX4" fmla="*/ 664687 w 2658746"/>
+                <a:gd name="connsiteY4" fmla="*/ 1329373 h 1329373"/>
+                <a:gd name="connsiteX5" fmla="*/ 0 w 2658746"/>
+                <a:gd name="connsiteY5" fmla="*/ 1329373 h 1329373"/>
+                <a:gd name="connsiteX6" fmla="*/ 1329373 w 2658746"/>
+                <a:gd name="connsiteY6" fmla="*/ 0 h 1329373"/>
+              </a:gdLst>
+              <a:ahLst/>
+              <a:cxnLst>
+                <a:cxn ang="0">
+                  <a:pos x="connsiteX0" y="connsiteY0"/>
+                </a:cxn>
+                <a:cxn ang="0">
+                  <a:pos x="connsiteX1" y="connsiteY1"/>
+                </a:cxn>
+                <a:cxn ang="0">
+                  <a:pos x="connsiteX2" y="connsiteY2"/>
+                </a:cxn>
+                <a:cxn ang="0">
+                  <a:pos x="connsiteX3" y="connsiteY3"/>
+                </a:cxn>
+                <a:cxn ang="0">
+                  <a:pos x="connsiteX4" y="connsiteY4"/>
+                </a:cxn>
+                <a:cxn ang="0">
+                  <a:pos x="connsiteX5" y="connsiteY5"/>
+                </a:cxn>
+                <a:cxn ang="0">
+                  <a:pos x="connsiteX6" y="connsiteY6"/>
+                </a:cxn>
+              </a:cxnLst>
+              <a:rect l="l" t="t" r="r" b="b"/>
+              <a:pathLst>
+                <a:path w="2658746" h="1329373">
+                  <a:moveTo>
+                    <a:pt x="1329373" y="0"/>
+                  </a:moveTo>
+                  <a:cubicBezTo>
+                    <a:pt x="2063565" y="0"/>
+                    <a:pt x="2658746" y="595181"/>
+                    <a:pt x="2658746" y="1329373"/>
+                  </a:cubicBezTo>
+                  <a:lnTo>
+                    <a:pt x="1994059" y="1329373"/>
+                  </a:lnTo>
+                  <a:cubicBezTo>
+                    <a:pt x="1994059" y="962277"/>
+                    <a:pt x="1696469" y="664687"/>
+                    <a:pt x="1329373" y="664687"/>
+                  </a:cubicBezTo>
+                  <a:cubicBezTo>
+                    <a:pt x="962277" y="664687"/>
+                    <a:pt x="664687" y="962277"/>
+                    <a:pt x="664687" y="1329373"/>
+                  </a:cubicBezTo>
+                  <a:lnTo>
+                    <a:pt x="0" y="1329373"/>
+                  </a:lnTo>
+                  <a:cubicBezTo>
+                    <a:pt x="0" y="595181"/>
+                    <a:pt x="595181" y="0"/>
+                    <a:pt x="1329373" y="0"/>
+                  </a:cubicBezTo>
+                  <a:close/>
+                </a:path>
+              </a:pathLst>
+            </a:custGeom>
+            <a:solidFill>
+              <a:schemeClr val="bg2"/>
+            </a:solidFill>
+            <a:ln>
+              <a:noFill/>
+            </a:ln>
+            <a:effectLst>
+              <a:innerShdw blurRad="254000" dist="50800" dir="16200000">
+                <a:schemeClr val="accent1">
+                  <a:lumMod val="40000"/>
+                  <a:lumOff val="60000"/>
+                  <a:alpha val="40000"/>
+                </a:schemeClr>
+              </a:innerShdw>
+            </a:effectLst>
+          </p:spPr>
+          <p:style>
+            <a:lnRef idx="2">
+              <a:schemeClr val="accent1">
+                <a:shade val="50000"/>
+              </a:schemeClr>
+            </a:lnRef>
+            <a:fillRef idx="1">
+              <a:schemeClr val="accent1"/>
+            </a:fillRef>
+            <a:effectRef idx="0">
+              <a:schemeClr val="accent1"/>
+            </a:effectRef>
+            <a:fontRef idx="minor">
+              <a:schemeClr val="lt1"/>
+            </a:fontRef>
+          </p:style>
+          <p:txBody>
+            <a:bodyPr rtlCol="0" anchor="ctr"/>
+            <a:lstStyle/>
+            <a:p>
+              <a:pPr algn="ctr"/>
+              <a:endParaRPr lang="en-US" dirty="0"/>
+            </a:p>
+          </p:txBody>
+        </p:sp>
+        <p:sp>
+          <p:nvSpPr>
+            <p:cNvPr id="15" name="Freeform: Shape 14">
+              <a:extLst>
+                <a:ext uri="{FF2B5EF4-FFF2-40B4-BE49-F238E27FC236}">
+                  <a16:creationId xmlns:a16="http://schemas.microsoft.com/office/drawing/2014/main" id="{B5CA2231-7A65-4D16-8400-A210CC41DB73}"/>
+                </a:ext>
+                <a:ext uri="{C183D7F6-B498-43B3-948B-1728B52AA6E4}">
+                  <adec:decorative xmlns:adec="http://schemas.microsoft.com/office/drawing/2017/decorative" val="1"/>
+                </a:ext>
+              </a:extLst>
+            </p:cNvPr>
+            <p:cNvSpPr>
+              <a:spLocks noChangeAspect="1"/>
+            </p:cNvSpPr>
+            <p:nvPr>
+              <p:extLst>
+                <p:ext uri="{386F3935-93C4-4BCD-93E2-E3B085C9AB24}">
+                  <p16:designElem xmlns:p16="http://schemas.microsoft.com/office/powerpoint/2015/main" val="1"/>
+                </p:ext>
+              </p:extLst>
+            </p:nvPr>
+          </p:nvSpPr>
+          <p:spPr>
+            <a:xfrm rot="18900000" flipV="1">
+              <a:off x="4957101" y="4052255"/>
+              <a:ext cx="1853969" cy="1093090"/>
+            </a:xfrm>
+            <a:custGeom>
+              <a:avLst/>
+              <a:gdLst>
+                <a:gd name="connsiteX0" fmla="*/ 1329373 w 2658746"/>
+                <a:gd name="connsiteY0" fmla="*/ 0 h 1329373"/>
+                <a:gd name="connsiteX1" fmla="*/ 2658746 w 2658746"/>
+                <a:gd name="connsiteY1" fmla="*/ 1329373 h 1329373"/>
+                <a:gd name="connsiteX2" fmla="*/ 1994059 w 2658746"/>
+                <a:gd name="connsiteY2" fmla="*/ 1329373 h 1329373"/>
+                <a:gd name="connsiteX3" fmla="*/ 1329373 w 2658746"/>
+                <a:gd name="connsiteY3" fmla="*/ 664687 h 1329373"/>
+                <a:gd name="connsiteX4" fmla="*/ 664687 w 2658746"/>
+                <a:gd name="connsiteY4" fmla="*/ 1329373 h 1329373"/>
+                <a:gd name="connsiteX5" fmla="*/ 0 w 2658746"/>
+                <a:gd name="connsiteY5" fmla="*/ 1329373 h 1329373"/>
+                <a:gd name="connsiteX6" fmla="*/ 1329373 w 2658746"/>
+                <a:gd name="connsiteY6" fmla="*/ 0 h 1329373"/>
+              </a:gdLst>
+              <a:ahLst/>
+              <a:cxnLst>
+                <a:cxn ang="0">
+                  <a:pos x="connsiteX0" y="connsiteY0"/>
+                </a:cxn>
+                <a:cxn ang="0">
+                  <a:pos x="connsiteX1" y="connsiteY1"/>
+                </a:cxn>
+                <a:cxn ang="0">
+                  <a:pos x="connsiteX2" y="connsiteY2"/>
+                </a:cxn>
+                <a:cxn ang="0">
+                  <a:pos x="connsiteX3" y="connsiteY3"/>
+                </a:cxn>
+                <a:cxn ang="0">
+                  <a:pos x="connsiteX4" y="connsiteY4"/>
+                </a:cxn>
+                <a:cxn ang="0">
+                  <a:pos x="connsiteX5" y="connsiteY5"/>
+                </a:cxn>
+                <a:cxn ang="0">
+                  <a:pos x="connsiteX6" y="connsiteY6"/>
+                </a:cxn>
+              </a:cxnLst>
+              <a:rect l="l" t="t" r="r" b="b"/>
+              <a:pathLst>
+                <a:path w="2658746" h="1329373">
+                  <a:moveTo>
+                    <a:pt x="1329373" y="0"/>
+                  </a:moveTo>
+                  <a:cubicBezTo>
+                    <a:pt x="2063565" y="0"/>
+                    <a:pt x="2658746" y="595181"/>
+                    <a:pt x="2658746" y="1329373"/>
+                  </a:cubicBezTo>
+                  <a:lnTo>
+                    <a:pt x="1994059" y="1329373"/>
+                  </a:lnTo>
+                  <a:cubicBezTo>
+                    <a:pt x="1994059" y="962277"/>
+                    <a:pt x="1696469" y="664687"/>
+                    <a:pt x="1329373" y="664687"/>
+                  </a:cubicBezTo>
+                  <a:cubicBezTo>
+                    <a:pt x="962277" y="664687"/>
+                    <a:pt x="664687" y="962277"/>
+                    <a:pt x="664687" y="1329373"/>
+                  </a:cubicBezTo>
+                  <a:lnTo>
+                    <a:pt x="0" y="1329373"/>
+                  </a:lnTo>
+                  <a:cubicBezTo>
+                    <a:pt x="0" y="595181"/>
+                    <a:pt x="595181" y="0"/>
+                    <a:pt x="1329373" y="0"/>
+                  </a:cubicBezTo>
+                  <a:close/>
+                </a:path>
+              </a:pathLst>
+            </a:custGeom>
+            <a:solidFill>
+              <a:schemeClr val="bg2">
+                <a:lumMod val="50000"/>
+                <a:lumOff val="50000"/>
+                <a:alpha val="40000"/>
+              </a:schemeClr>
+            </a:solidFill>
+            <a:ln>
+              <a:noFill/>
+            </a:ln>
+            <a:effectLst>
+              <a:softEdge rad="190500"/>
+            </a:effectLst>
+          </p:spPr>
+          <p:style>
+            <a:lnRef idx="2">
+              <a:schemeClr val="accent1">
+                <a:shade val="50000"/>
+              </a:schemeClr>
+            </a:lnRef>
+            <a:fillRef idx="1">
+              <a:schemeClr val="accent1"/>
+            </a:fillRef>
+            <a:effectRef idx="0">
+              <a:schemeClr val="accent1"/>
+            </a:effectRef>
+            <a:fontRef idx="minor">
+              <a:schemeClr val="lt1"/>
+            </a:fontRef>
+          </p:style>
+          <p:txBody>
+            <a:bodyPr rtlCol="0" anchor="ctr"/>
+            <a:lstStyle/>
+            <a:p>
+              <a:pPr algn="ctr"/>
+              <a:endParaRPr lang="en-US" dirty="0">
+                <a:solidFill>
+                  <a:schemeClr val="tx1"/>
+                </a:solidFill>
+              </a:endParaRPr>
+            </a:p>
+          </p:txBody>
+        </p:sp>
+        <p:sp>
+          <p:nvSpPr>
+            <p:cNvPr id="16" name="Oval 15">
+              <a:extLst>
+                <a:ext uri="{FF2B5EF4-FFF2-40B4-BE49-F238E27FC236}">
+                  <a16:creationId xmlns:a16="http://schemas.microsoft.com/office/drawing/2014/main" id="{4B089C8C-B82B-4704-88E2-E857A5E21529}"/>
+                </a:ext>
+                <a:ext uri="{C183D7F6-B498-43B3-948B-1728B52AA6E4}">
+                  <adec:decorative xmlns:adec="http://schemas.microsoft.com/office/drawing/2017/decorative" val="1"/>
+                </a:ext>
+              </a:extLst>
+            </p:cNvPr>
+            <p:cNvSpPr/>
+            <p:nvPr>
+              <p:extLst>
+                <p:ext uri="{386F3935-93C4-4BCD-93E2-E3B085C9AB24}">
+                  <p16:designElem xmlns:p16="http://schemas.microsoft.com/office/powerpoint/2015/main" val="1"/>
+                </p:ext>
+              </p:extLst>
+            </p:nvPr>
+          </p:nvSpPr>
+          <p:spPr>
+            <a:xfrm rot="13500000" flipV="1">
+              <a:off x="6040374" y="3601683"/>
+              <a:ext cx="107098" cy="466589"/>
+            </a:xfrm>
+            <a:prstGeom prst="ellipse">
+              <a:avLst/>
+            </a:prstGeom>
+            <a:solidFill>
+              <a:schemeClr val="bg2">
+                <a:lumMod val="90000"/>
+                <a:lumOff val="10000"/>
+              </a:schemeClr>
+            </a:solidFill>
+            <a:ln>
+              <a:noFill/>
+            </a:ln>
+            <a:effectLst>
+              <a:innerShdw blurRad="63500" dist="2540000">
+                <a:schemeClr val="accent1">
+                  <a:lumMod val="60000"/>
+                  <a:lumOff val="40000"/>
+                  <a:alpha val="0"/>
+                </a:schemeClr>
+              </a:innerShdw>
+            </a:effectLst>
+          </p:spPr>
+          <p:style>
+            <a:lnRef idx="2">
+              <a:schemeClr val="accent1">
+                <a:shade val="50000"/>
+              </a:schemeClr>
+            </a:lnRef>
+            <a:fillRef idx="1">
+              <a:schemeClr val="accent1"/>
+            </a:fillRef>
+            <a:effectRef idx="0">
+              <a:schemeClr val="accent1"/>
+            </a:effectRef>
+            <a:fontRef idx="minor">
+              <a:schemeClr val="lt1"/>
+            </a:fontRef>
+          </p:style>
+          <p:txBody>
+            <a:bodyPr rot="0" spcFirstLastPara="0" vertOverflow="overflow" horzOverflow="overflow" vert="horz" wrap="square" lIns="91440" tIns="45720" rIns="91440" bIns="45720" numCol="1" spcCol="0" rtlCol="0" fromWordArt="0" anchor="ctr" anchorCtr="0" forceAA="0" compatLnSpc="1">
+              <a:prstTxWarp prst="textNoShape">
+                <a:avLst/>
+              </a:prstTxWarp>
+              <a:noAutofit/>
+            </a:bodyPr>
+            <a:lstStyle/>
+            <a:p>
+              <a:pPr algn="ctr"/>
+              <a:endParaRPr lang="en-US"/>
+            </a:p>
+          </p:txBody>
+        </p:sp>
+        <p:sp>
+          <p:nvSpPr>
+            <p:cNvPr id="17" name="Oval 16">
+              <a:extLst>
+                <a:ext uri="{FF2B5EF4-FFF2-40B4-BE49-F238E27FC236}">
+                  <a16:creationId xmlns:a16="http://schemas.microsoft.com/office/drawing/2014/main" id="{434B90C8-5B4D-456E-AD99-80EF748FDD72}"/>
+                </a:ext>
+                <a:ext uri="{C183D7F6-B498-43B3-948B-1728B52AA6E4}">
+                  <adec:decorative xmlns:adec="http://schemas.microsoft.com/office/drawing/2017/decorative" val="1"/>
+                </a:ext>
+              </a:extLst>
+            </p:cNvPr>
+            <p:cNvSpPr/>
+            <p:nvPr>
+              <p:extLst>
+                <p:ext uri="{386F3935-93C4-4BCD-93E2-E3B085C9AB24}">
+                  <p16:designElem xmlns:p16="http://schemas.microsoft.com/office/powerpoint/2015/main" val="1"/>
+                </p:ext>
+              </p:extLst>
+            </p:nvPr>
+          </p:nvSpPr>
+          <p:spPr>
+            <a:xfrm rot="13500000" flipV="1">
+              <a:off x="5059348" y="4582709"/>
+              <a:ext cx="107098" cy="466589"/>
+            </a:xfrm>
+            <a:prstGeom prst="ellipse">
+              <a:avLst/>
+            </a:prstGeom>
+            <a:solidFill>
+              <a:schemeClr val="bg2">
+                <a:lumMod val="90000"/>
+                <a:lumOff val="10000"/>
+              </a:schemeClr>
+            </a:solidFill>
+            <a:ln>
+              <a:noFill/>
+            </a:ln>
+            <a:effectLst>
+              <a:innerShdw blurRad="63500" dist="2540000">
+                <a:schemeClr val="accent1">
+                  <a:lumMod val="60000"/>
+                  <a:lumOff val="40000"/>
+                  <a:alpha val="0"/>
+                </a:schemeClr>
+              </a:innerShdw>
+            </a:effectLst>
+          </p:spPr>
+          <p:style>
+            <a:lnRef idx="2">
+              <a:schemeClr val="accent1">
+                <a:shade val="50000"/>
+              </a:schemeClr>
+            </a:lnRef>
+            <a:fillRef idx="1">
+              <a:schemeClr val="accent1"/>
+            </a:fillRef>
+            <a:effectRef idx="0">
+              <a:schemeClr val="accent1"/>
+            </a:effectRef>
+            <a:fontRef idx="minor">
+              <a:schemeClr val="lt1"/>
+            </a:fontRef>
+          </p:style>
+          <p:txBody>
+            <a:bodyPr rot="0" spcFirstLastPara="0" vertOverflow="overflow" horzOverflow="overflow" vert="horz" wrap="square" lIns="91440" tIns="45720" rIns="91440" bIns="45720" numCol="1" spcCol="0" rtlCol="0" fromWordArt="0" anchor="ctr" anchorCtr="0" forceAA="0" compatLnSpc="1">
+              <a:prstTxWarp prst="textNoShape">
+                <a:avLst/>
+              </a:prstTxWarp>
+              <a:noAutofit/>
+            </a:bodyPr>
+            <a:lstStyle/>
+            <a:p>
+              <a:pPr algn="ctr"/>
+              <a:endParaRPr lang="en-US"/>
+            </a:p>
+          </p:txBody>
+        </p:sp>
+      </p:grpSp>
+      <p:sp useBgFill="1">
+        <p:nvSpPr>
+          <p:cNvPr id="35" name="Rectangle 18">
+            <a:extLst>
+              <a:ext uri="{FF2B5EF4-FFF2-40B4-BE49-F238E27FC236}">
+                <a16:creationId xmlns:a16="http://schemas.microsoft.com/office/drawing/2014/main" id="{1DB043B4-68C6-45B9-82AC-A5800EADB8DB}"/>
+              </a:ext>
+              <a:ext uri="{C183D7F6-B498-43B3-948B-1728B52AA6E4}">
+                <adec:decorative xmlns:adec="http://schemas.microsoft.com/office/drawing/2017/decorative" val="1"/>
+              </a:ext>
+            </a:extLst>
+          </p:cNvPr>
+          <p:cNvSpPr>
+            <a:spLocks noGrp="1" noRot="1" noChangeAspect="1" noMove="1" noResize="1" noEditPoints="1" noAdjustHandles="1" noChangeArrowheads="1" noChangeShapeType="1" noTextEdit="1"/>
+          </p:cNvSpPr>
+          <p:nvPr>
+            <p:extLst>
+              <p:ext uri="{386F3935-93C4-4BCD-93E2-E3B085C9AB24}">
+                <p16:designElem xmlns:p16="http://schemas.microsoft.com/office/powerpoint/2015/main" val="1"/>
+              </p:ext>
+            </p:extLst>
+          </p:nvPr>
+        </p:nvSpPr>
+        <p:spPr>
+          <a:xfrm>
+            <a:off x="0" y="0"/>
+            <a:ext cx="12192000" cy="6858000"/>
+          </a:xfrm>
+          <a:prstGeom prst="rect">
+            <a:avLst/>
+          </a:prstGeom>
+          <a:ln w="12700" cap="flat" cmpd="sng" algn="ctr">
+            <a:noFill/>
+            <a:prstDash val="solid"/>
+            <a:miter lim="800000"/>
+          </a:ln>
+          <a:effectLst/>
+          <a:extLst>
+            <a:ext uri="{91240B29-F687-4F45-9708-019B960494DF}">
+              <a14:hiddenLine xmlns:a14="http://schemas.microsoft.com/office/drawing/2010/main" w="12700" cap="flat" cmpd="sng" algn="ctr">
+                <a:solidFill>
+                  <a:schemeClr val="accent1">
+                    <a:shade val="50000"/>
+                  </a:schemeClr>
+                </a:solidFill>
+                <a:prstDash val="solid"/>
+                <a:miter lim="800000"/>
+              </a14:hiddenLine>
+            </a:ext>
+          </a:extLst>
+        </p:spPr>
+        <p:style>
+          <a:lnRef idx="2">
+            <a:schemeClr val="accent1">
+              <a:shade val="50000"/>
+            </a:schemeClr>
+          </a:lnRef>
+          <a:fillRef idx="1">
+            <a:schemeClr val="accent1"/>
+          </a:fillRef>
+          <a:effectRef idx="0">
+            <a:schemeClr val="accent1"/>
+          </a:effectRef>
+          <a:fontRef idx="minor">
+            <a:schemeClr val="lt1"/>
+          </a:fontRef>
+        </p:style>
+        <p:txBody>
+          <a:bodyPr rtlCol="0" anchor="ctr"/>
+          <a:lstStyle/>
+          <a:p>
+            <a:pPr algn="ctr"/>
+            <a:endParaRPr lang="en-US"/>
+          </a:p>
+        </p:txBody>
+      </p:sp>
+      <p:sp>
+        <p:nvSpPr>
+          <p:cNvPr id="2" name="Заголовок 1">
+            <a:extLst>
+              <a:ext uri="{FF2B5EF4-FFF2-40B4-BE49-F238E27FC236}">
+                <a16:creationId xmlns:a16="http://schemas.microsoft.com/office/drawing/2014/main" id="{20DA5A6F-0A14-7C42-3832-8AC958E9BA3C}"/>
+              </a:ext>
+            </a:extLst>
+          </p:cNvPr>
+          <p:cNvSpPr>
+            <a:spLocks noGrp="1"/>
+          </p:cNvSpPr>
+          <p:nvPr>
+            <p:ph type="title"/>
+          </p:nvPr>
+        </p:nvSpPr>
+        <p:spPr>
+          <a:xfrm>
+            <a:off x="1487488" y="549275"/>
+            <a:ext cx="5437187" cy="3456401"/>
+          </a:xfrm>
+        </p:spPr>
+        <p:txBody>
+          <a:bodyPr vert="horz" wrap="square" lIns="0" tIns="0" rIns="0" bIns="0" rtlCol="0" anchor="b" anchorCtr="0">
+            <a:normAutofit/>
+          </a:bodyPr>
+          <a:lstStyle/>
+          <a:p>
+            <a:r>
+              <a:rPr lang="en-US" sz="6400">
+                <a:latin typeface="Century Gothic"/>
+              </a:rPr>
+              <a:t>Thank you for the attention.</a:t>
+            </a:r>
+          </a:p>
+        </p:txBody>
+      </p:sp>
+      <p:sp>
+        <p:nvSpPr>
+          <p:cNvPr id="36" name="Freeform: Shape 20">
+            <a:extLst>
+              <a:ext uri="{FF2B5EF4-FFF2-40B4-BE49-F238E27FC236}">
+                <a16:creationId xmlns:a16="http://schemas.microsoft.com/office/drawing/2014/main" id="{74033C2F-EE38-427C-97E3-08EAC8822A13}"/>
+              </a:ext>
+              <a:ext uri="{C183D7F6-B498-43B3-948B-1728B52AA6E4}">
+                <adec:decorative xmlns:adec="http://schemas.microsoft.com/office/drawing/2017/decorative" val="1"/>
+              </a:ext>
+            </a:extLst>
+          </p:cNvPr>
+          <p:cNvSpPr>
+            <a:spLocks noGrp="1" noRot="1" noChangeAspect="1" noMove="1" noResize="1" noEditPoints="1" noAdjustHandles="1" noChangeArrowheads="1" noChangeShapeType="1" noTextEdit="1"/>
+          </p:cNvSpPr>
+          <p:nvPr>
+            <p:extLst>
+              <p:ext uri="{386F3935-93C4-4BCD-93E2-E3B085C9AB24}">
+                <p16:designElem xmlns:p16="http://schemas.microsoft.com/office/powerpoint/2015/main" val="1"/>
+              </p:ext>
+            </p:extLst>
+          </p:nvPr>
+        </p:nvSpPr>
+        <p:spPr>
+          <a:xfrm>
+            <a:off x="1" y="471760"/>
+            <a:ext cx="666497" cy="1080000"/>
+          </a:xfrm>
+          <a:custGeom>
+            <a:avLst/>
+            <a:gdLst>
+              <a:gd name="connsiteX0" fmla="*/ 126497 w 666497"/>
+              <a:gd name="connsiteY0" fmla="*/ 0 h 1080000"/>
+              <a:gd name="connsiteX1" fmla="*/ 666497 w 666497"/>
+              <a:gd name="connsiteY1" fmla="*/ 540000 h 1080000"/>
+              <a:gd name="connsiteX2" fmla="*/ 126497 w 666497"/>
+              <a:gd name="connsiteY2" fmla="*/ 1080000 h 1080000"/>
+              <a:gd name="connsiteX3" fmla="*/ 17668 w 666497"/>
+              <a:gd name="connsiteY3" fmla="*/ 1069029 h 1080000"/>
+              <a:gd name="connsiteX4" fmla="*/ 0 w 666497"/>
+              <a:gd name="connsiteY4" fmla="*/ 1063545 h 1080000"/>
+              <a:gd name="connsiteX5" fmla="*/ 0 w 666497"/>
+              <a:gd name="connsiteY5" fmla="*/ 16455 h 1080000"/>
+              <a:gd name="connsiteX6" fmla="*/ 17668 w 666497"/>
+              <a:gd name="connsiteY6" fmla="*/ 10971 h 1080000"/>
+              <a:gd name="connsiteX7" fmla="*/ 126497 w 666497"/>
+              <a:gd name="connsiteY7" fmla="*/ 0 h 1080000"/>
+            </a:gdLst>
+            <a:ahLst/>
+            <a:cxnLst>
+              <a:cxn ang="0">
+                <a:pos x="connsiteX0" y="connsiteY0"/>
+              </a:cxn>
+              <a:cxn ang="0">
+                <a:pos x="connsiteX1" y="connsiteY1"/>
+              </a:cxn>
+              <a:cxn ang="0">
+                <a:pos x="connsiteX2" y="connsiteY2"/>
+              </a:cxn>
+              <a:cxn ang="0">
+                <a:pos x="connsiteX3" y="connsiteY3"/>
+              </a:cxn>
+              <a:cxn ang="0">
+                <a:pos x="connsiteX4" y="connsiteY4"/>
+              </a:cxn>
+              <a:cxn ang="0">
+                <a:pos x="connsiteX5" y="connsiteY5"/>
+              </a:cxn>
+              <a:cxn ang="0">
+                <a:pos x="connsiteX6" y="connsiteY6"/>
+              </a:cxn>
+              <a:cxn ang="0">
+                <a:pos x="connsiteX7" y="connsiteY7"/>
+              </a:cxn>
+            </a:cxnLst>
+            <a:rect l="l" t="t" r="r" b="b"/>
+            <a:pathLst>
+              <a:path w="666497" h="1080000">
+                <a:moveTo>
+                  <a:pt x="126497" y="0"/>
+                </a:moveTo>
+                <a:cubicBezTo>
+                  <a:pt x="424731" y="0"/>
+                  <a:pt x="666497" y="241766"/>
+                  <a:pt x="666497" y="540000"/>
+                </a:cubicBezTo>
+                <a:cubicBezTo>
+                  <a:pt x="666497" y="838234"/>
+                  <a:pt x="424731" y="1080000"/>
+                  <a:pt x="126497" y="1080000"/>
+                </a:cubicBezTo>
+                <a:cubicBezTo>
+                  <a:pt x="89218" y="1080000"/>
+                  <a:pt x="52821" y="1076222"/>
+                  <a:pt x="17668" y="1069029"/>
+                </a:cubicBezTo>
+                <a:lnTo>
+                  <a:pt x="0" y="1063545"/>
+                </a:lnTo>
+                <a:lnTo>
+                  <a:pt x="0" y="16455"/>
+                </a:lnTo>
+                <a:lnTo>
+                  <a:pt x="17668" y="10971"/>
+                </a:lnTo>
+                <a:cubicBezTo>
+                  <a:pt x="52821" y="3778"/>
+                  <a:pt x="89218" y="0"/>
+                  <a:pt x="126497" y="0"/>
+                </a:cubicBezTo>
+                <a:close/>
+              </a:path>
+            </a:pathLst>
+          </a:custGeom>
+          <a:gradFill flip="none" rotWithShape="1">
+            <a:gsLst>
+              <a:gs pos="100000">
+                <a:schemeClr val="bg2">
+                  <a:lumMod val="50000"/>
+                  <a:lumOff val="50000"/>
+                </a:schemeClr>
+              </a:gs>
+              <a:gs pos="60000">
+                <a:schemeClr val="bg2">
+                  <a:lumMod val="100000"/>
+                </a:schemeClr>
+              </a:gs>
+            </a:gsLst>
+            <a:path path="circle">
+              <a:fillToRect l="100000" b="100000"/>
+            </a:path>
+            <a:tileRect t="-100000" r="-100000"/>
+          </a:gradFill>
+          <a:ln>
+            <a:noFill/>
+          </a:ln>
+          <a:effectLst>
+            <a:innerShdw blurRad="254000" dist="127000" dir="2700000">
+              <a:schemeClr val="accent1">
+                <a:lumMod val="60000"/>
+                <a:lumOff val="40000"/>
+                <a:alpha val="40000"/>
+              </a:schemeClr>
+            </a:innerShdw>
+            <a:softEdge rad="0"/>
+          </a:effectLst>
+        </p:spPr>
+        <p:style>
+          <a:lnRef idx="2">
+            <a:schemeClr val="accent1">
+              <a:shade val="50000"/>
+            </a:schemeClr>
+          </a:lnRef>
+          <a:fillRef idx="1">
+            <a:schemeClr val="accent1"/>
+          </a:fillRef>
+          <a:effectRef idx="0">
+            <a:schemeClr val="accent1"/>
+          </a:effectRef>
+          <a:fontRef idx="minor">
+            <a:schemeClr val="lt1"/>
+          </a:fontRef>
+        </p:style>
+        <p:txBody>
+          <a:bodyPr rot="0" spcFirstLastPara="0" vertOverflow="overflow" horzOverflow="overflow" vert="horz" wrap="square" lIns="91440" tIns="45720" rIns="91440" bIns="45720" numCol="1" spcCol="0" rtlCol="0" fromWordArt="0" anchor="ctr" anchorCtr="0" forceAA="0" compatLnSpc="1">
+            <a:prstTxWarp prst="textNoShape">
+              <a:avLst/>
+            </a:prstTxWarp>
+            <a:noAutofit/>
+          </a:bodyPr>
+          <a:lstStyle/>
+          <a:p>
+            <a:pPr algn="ctr"/>
+            <a:endParaRPr lang="en-US"/>
+          </a:p>
+        </p:txBody>
+      </p:sp>
+      <p:grpSp>
+        <p:nvGrpSpPr>
+          <p:cNvPr id="37" name="Group 22">
+            <a:extLst>
+              <a:ext uri="{FF2B5EF4-FFF2-40B4-BE49-F238E27FC236}">
+                <a16:creationId xmlns:a16="http://schemas.microsoft.com/office/drawing/2014/main" id="{22940903-7865-4026-879C-CC1ADF9116B1}"/>
+              </a:ext>
+              <a:ext uri="{C183D7F6-B498-43B3-948B-1728B52AA6E4}">
+                <adec:decorative xmlns:adec="http://schemas.microsoft.com/office/drawing/2017/decorative" val="1"/>
+              </a:ext>
+            </a:extLst>
+          </p:cNvPr>
+          <p:cNvGrpSpPr>
+            <a:grpSpLocks noGrp="1" noUngrp="1" noRot="1" noChangeAspect="1" noMove="1" noResize="1"/>
+          </p:cNvGrpSpPr>
+          <p:nvPr>
+            <p:extLst>
+              <p:ext uri="{386F3935-93C4-4BCD-93E2-E3B085C9AB24}">
+                <p16:designElem xmlns:p16="http://schemas.microsoft.com/office/powerpoint/2015/main" val="1"/>
+              </p:ext>
+            </p:extLst>
+          </p:nvPr>
+        </p:nvGrpSpPr>
+        <p:grpSpPr>
+          <a:xfrm>
+            <a:off x="7634337" y="800983"/>
+            <a:ext cx="4006800" cy="3788841"/>
+            <a:chOff x="7762003" y="672385"/>
+            <a:chExt cx="4006800" cy="3788841"/>
+          </a:xfrm>
+        </p:grpSpPr>
+        <p:sp>
+          <p:nvSpPr>
+            <p:cNvPr id="24" name="Freeform: Shape 23">
+              <a:extLst>
+                <a:ext uri="{FF2B5EF4-FFF2-40B4-BE49-F238E27FC236}">
+                  <a16:creationId xmlns:a16="http://schemas.microsoft.com/office/drawing/2014/main" id="{982D1BD3-FFA8-4027-A890-672FDD8F70B4}"/>
+                </a:ext>
+                <a:ext uri="{C183D7F6-B498-43B3-948B-1728B52AA6E4}">
+                  <adec:decorative xmlns:adec="http://schemas.microsoft.com/office/drawing/2017/decorative" val="1"/>
+                </a:ext>
+              </a:extLst>
+            </p:cNvPr>
+            <p:cNvSpPr>
+              <a:spLocks noChangeAspect="1"/>
+            </p:cNvSpPr>
+            <p:nvPr>
+              <p:extLst>
+                <p:ext uri="{386F3935-93C4-4BCD-93E2-E3B085C9AB24}">
+                  <p16:designElem xmlns:p16="http://schemas.microsoft.com/office/powerpoint/2015/main" val="1"/>
+                </p:ext>
+              </p:extLst>
+            </p:nvPr>
+          </p:nvSpPr>
+          <p:spPr>
+            <a:xfrm rot="8100000">
+              <a:off x="8528803" y="672385"/>
+              <a:ext cx="3240000" cy="3788841"/>
+            </a:xfrm>
+            <a:custGeom>
+              <a:avLst/>
+              <a:gdLst>
+                <a:gd name="connsiteX0" fmla="*/ 540000 w 1080000"/>
+                <a:gd name="connsiteY0" fmla="*/ 0 h 1262947"/>
+                <a:gd name="connsiteX1" fmla="*/ 1080000 w 1080000"/>
+                <a:gd name="connsiteY1" fmla="*/ 931034 h 1262947"/>
+                <a:gd name="connsiteX2" fmla="*/ 1064374 w 1080000"/>
+                <a:gd name="connsiteY2" fmla="*/ 931034 h 1262947"/>
+                <a:gd name="connsiteX3" fmla="*/ 1069029 w 1080000"/>
+                <a:gd name="connsiteY3" fmla="*/ 938533 h 1262947"/>
+                <a:gd name="connsiteX4" fmla="*/ 1080000 w 1080000"/>
+                <a:gd name="connsiteY4" fmla="*/ 992947 h 1262947"/>
+                <a:gd name="connsiteX5" fmla="*/ 540000 w 1080000"/>
+                <a:gd name="connsiteY5" fmla="*/ 1262947 h 1262947"/>
+                <a:gd name="connsiteX6" fmla="*/ 0 w 1080000"/>
+                <a:gd name="connsiteY6" fmla="*/ 992947 h 1262947"/>
+                <a:gd name="connsiteX7" fmla="*/ 10971 w 1080000"/>
+                <a:gd name="connsiteY7" fmla="*/ 938533 h 1262947"/>
+                <a:gd name="connsiteX8" fmla="*/ 15626 w 1080000"/>
+                <a:gd name="connsiteY8" fmla="*/ 931034 h 1262947"/>
+                <a:gd name="connsiteX9" fmla="*/ 0 w 1080000"/>
+                <a:gd name="connsiteY9" fmla="*/ 931034 h 1262947"/>
+                <a:gd name="connsiteX0" fmla="*/ 540000 w 1080000"/>
+                <a:gd name="connsiteY0" fmla="*/ 0 h 1262947"/>
+                <a:gd name="connsiteX1" fmla="*/ 1080000 w 1080000"/>
+                <a:gd name="connsiteY1" fmla="*/ 931034 h 1262947"/>
+                <a:gd name="connsiteX2" fmla="*/ 1064374 w 1080000"/>
+                <a:gd name="connsiteY2" fmla="*/ 931034 h 1262947"/>
+                <a:gd name="connsiteX3" fmla="*/ 1069029 w 1080000"/>
+                <a:gd name="connsiteY3" fmla="*/ 938533 h 1262947"/>
+                <a:gd name="connsiteX4" fmla="*/ 1080000 w 1080000"/>
+                <a:gd name="connsiteY4" fmla="*/ 992947 h 1262947"/>
+                <a:gd name="connsiteX5" fmla="*/ 540000 w 1080000"/>
+                <a:gd name="connsiteY5" fmla="*/ 1262947 h 1262947"/>
+                <a:gd name="connsiteX6" fmla="*/ 0 w 1080000"/>
+                <a:gd name="connsiteY6" fmla="*/ 992947 h 1262947"/>
+                <a:gd name="connsiteX7" fmla="*/ 10971 w 1080000"/>
+                <a:gd name="connsiteY7" fmla="*/ 938533 h 1262947"/>
+                <a:gd name="connsiteX8" fmla="*/ 15626 w 1080000"/>
+                <a:gd name="connsiteY8" fmla="*/ 931034 h 1262947"/>
+                <a:gd name="connsiteX9" fmla="*/ 540000 w 1080000"/>
+                <a:gd name="connsiteY9" fmla="*/ 0 h 1262947"/>
+                <a:gd name="connsiteX0" fmla="*/ 540000 w 1080000"/>
+                <a:gd name="connsiteY0" fmla="*/ 0 h 1262947"/>
+                <a:gd name="connsiteX1" fmla="*/ 1064374 w 1080000"/>
+                <a:gd name="connsiteY1" fmla="*/ 931034 h 1262947"/>
+                <a:gd name="connsiteX2" fmla="*/ 1069029 w 1080000"/>
+                <a:gd name="connsiteY2" fmla="*/ 938533 h 1262947"/>
+                <a:gd name="connsiteX3" fmla="*/ 1080000 w 1080000"/>
+                <a:gd name="connsiteY3" fmla="*/ 992947 h 1262947"/>
+                <a:gd name="connsiteX4" fmla="*/ 540000 w 1080000"/>
+                <a:gd name="connsiteY4" fmla="*/ 1262947 h 1262947"/>
+                <a:gd name="connsiteX5" fmla="*/ 0 w 1080000"/>
+                <a:gd name="connsiteY5" fmla="*/ 992947 h 1262947"/>
+                <a:gd name="connsiteX6" fmla="*/ 10971 w 1080000"/>
+                <a:gd name="connsiteY6" fmla="*/ 938533 h 1262947"/>
+                <a:gd name="connsiteX7" fmla="*/ 15626 w 1080000"/>
+                <a:gd name="connsiteY7" fmla="*/ 931034 h 1262947"/>
+                <a:gd name="connsiteX8" fmla="*/ 540000 w 1080000"/>
+                <a:gd name="connsiteY8" fmla="*/ 0 h 1262947"/>
+              </a:gdLst>
+              <a:ahLst/>
+              <a:cxnLst>
+                <a:cxn ang="0">
+                  <a:pos x="connsiteX0" y="connsiteY0"/>
+                </a:cxn>
+                <a:cxn ang="0">
+                  <a:pos x="connsiteX1" y="connsiteY1"/>
+                </a:cxn>
+                <a:cxn ang="0">
+                  <a:pos x="connsiteX2" y="connsiteY2"/>
+                </a:cxn>
+                <a:cxn ang="0">
+                  <a:pos x="connsiteX3" y="connsiteY3"/>
+                </a:cxn>
+                <a:cxn ang="0">
+                  <a:pos x="connsiteX4" y="connsiteY4"/>
+                </a:cxn>
+                <a:cxn ang="0">
+                  <a:pos x="connsiteX5" y="connsiteY5"/>
+                </a:cxn>
+                <a:cxn ang="0">
+                  <a:pos x="connsiteX6" y="connsiteY6"/>
+                </a:cxn>
+                <a:cxn ang="0">
+                  <a:pos x="connsiteX7" y="connsiteY7"/>
+                </a:cxn>
+                <a:cxn ang="0">
+                  <a:pos x="connsiteX8" y="connsiteY8"/>
+                </a:cxn>
+              </a:cxnLst>
+              <a:rect l="l" t="t" r="r" b="b"/>
+              <a:pathLst>
+                <a:path w="1080000" h="1262947">
+                  <a:moveTo>
+                    <a:pt x="540000" y="0"/>
+                  </a:moveTo>
+                  <a:lnTo>
+                    <a:pt x="1064374" y="931034"/>
+                  </a:lnTo>
+                  <a:lnTo>
+                    <a:pt x="1069029" y="938533"/>
+                  </a:lnTo>
+                  <a:cubicBezTo>
+                    <a:pt x="1076223" y="956109"/>
+                    <a:pt x="1080000" y="974307"/>
+                    <a:pt x="1080000" y="992947"/>
+                  </a:cubicBezTo>
+                  <a:cubicBezTo>
+                    <a:pt x="1080000" y="1142064"/>
+                    <a:pt x="838234" y="1262947"/>
+                    <a:pt x="540000" y="1262947"/>
+                  </a:cubicBezTo>
+                  <a:cubicBezTo>
+                    <a:pt x="241766" y="1262947"/>
+                    <a:pt x="0" y="1142064"/>
+                    <a:pt x="0" y="992947"/>
+                  </a:cubicBezTo>
+                  <a:cubicBezTo>
+                    <a:pt x="0" y="974307"/>
+                    <a:pt x="3778" y="956109"/>
+                    <a:pt x="10971" y="938533"/>
+                  </a:cubicBezTo>
+                  <a:lnTo>
+                    <a:pt x="15626" y="931034"/>
+                  </a:lnTo>
+                  <a:lnTo>
+                    <a:pt x="540000" y="0"/>
+                  </a:lnTo>
+                  <a:close/>
+                </a:path>
+              </a:pathLst>
+            </a:custGeom>
+            <a:gradFill>
+              <a:gsLst>
+                <a:gs pos="60000">
+                  <a:schemeClr val="bg2">
+                    <a:lumMod val="90000"/>
+                    <a:lumOff val="10000"/>
+                  </a:schemeClr>
+                </a:gs>
+                <a:gs pos="30000">
+                  <a:schemeClr val="bg2">
+                    <a:lumMod val="90000"/>
+                    <a:lumOff val="10000"/>
+                  </a:schemeClr>
+                </a:gs>
+                <a:gs pos="40000">
+                  <a:schemeClr val="bg2">
+                    <a:lumMod val="75000"/>
+                    <a:lumOff val="25000"/>
+                  </a:schemeClr>
+                </a:gs>
+                <a:gs pos="100000">
+                  <a:schemeClr val="bg2"/>
+                </a:gs>
+              </a:gsLst>
+              <a:lin ang="600000" scaled="0"/>
+            </a:gradFill>
+            <a:ln>
+              <a:noFill/>
+            </a:ln>
+            <a:effectLst>
+              <a:innerShdw blurRad="508000" dist="203200" dir="9600000">
+                <a:schemeClr val="accent1">
+                  <a:lumMod val="60000"/>
+                  <a:lumOff val="40000"/>
+                  <a:alpha val="60000"/>
+                </a:schemeClr>
+              </a:innerShdw>
+            </a:effectLst>
+          </p:spPr>
+          <p:style>
+            <a:lnRef idx="2">
+              <a:schemeClr val="accent1">
+                <a:shade val="50000"/>
+              </a:schemeClr>
+            </a:lnRef>
+            <a:fillRef idx="1">
+              <a:schemeClr val="accent1"/>
+            </a:fillRef>
+            <a:effectRef idx="0">
+              <a:schemeClr val="accent1"/>
+            </a:effectRef>
+            <a:fontRef idx="minor">
+              <a:schemeClr val="lt1"/>
+            </a:fontRef>
+          </p:style>
+          <p:txBody>
+            <a:bodyPr rot="0" spcFirstLastPara="0" vertOverflow="overflow" horzOverflow="overflow" vert="horz" wrap="square" lIns="91440" tIns="45720" rIns="91440" bIns="45720" numCol="1" spcCol="0" rtlCol="0" fromWordArt="0" anchor="ctr" anchorCtr="0" forceAA="0" compatLnSpc="1">
+              <a:prstTxWarp prst="textNoShape">
+                <a:avLst/>
+              </a:prstTxWarp>
+              <a:noAutofit/>
+            </a:bodyPr>
+            <a:lstStyle/>
+            <a:p>
+              <a:pPr algn="ctr"/>
+              <a:endParaRPr lang="en-US"/>
+            </a:p>
+          </p:txBody>
+        </p:sp>
+        <p:sp>
+          <p:nvSpPr>
+            <p:cNvPr id="38" name="Oval 24">
+              <a:extLst>
+                <a:ext uri="{FF2B5EF4-FFF2-40B4-BE49-F238E27FC236}">
+                  <a16:creationId xmlns:a16="http://schemas.microsoft.com/office/drawing/2014/main" id="{7BC5C6D9-8420-4B6F-A949-7B6565266B45}"/>
+                </a:ext>
+                <a:ext uri="{C183D7F6-B498-43B3-948B-1728B52AA6E4}">
+                  <adec:decorative xmlns:adec="http://schemas.microsoft.com/office/drawing/2017/decorative" val="1"/>
+                </a:ext>
+              </a:extLst>
+            </p:cNvPr>
+            <p:cNvSpPr/>
+            <p:nvPr>
+              <p:extLst>
+                <p:ext uri="{386F3935-93C4-4BCD-93E2-E3B085C9AB24}">
+                  <p16:designElem xmlns:p16="http://schemas.microsoft.com/office/powerpoint/2015/main" val="1"/>
+                </p:ext>
+              </p:extLst>
+            </p:nvPr>
+          </p:nvSpPr>
+          <p:spPr>
+            <a:xfrm rot="13500000">
+              <a:off x="8572003" y="180004"/>
+              <a:ext cx="1620000" cy="3240000"/>
+            </a:xfrm>
+            <a:prstGeom prst="ellipse">
+              <a:avLst/>
+            </a:prstGeom>
+            <a:gradFill>
+              <a:gsLst>
+                <a:gs pos="100000">
+                  <a:schemeClr val="bg2">
+                    <a:lumMod val="90000"/>
+                    <a:lumOff val="10000"/>
+                  </a:schemeClr>
+                </a:gs>
+                <a:gs pos="50000">
+                  <a:schemeClr val="bg2">
+                    <a:lumMod val="90000"/>
+                    <a:lumOff val="10000"/>
+                  </a:schemeClr>
+                </a:gs>
+              </a:gsLst>
+              <a:lin ang="5400000" scaled="0"/>
+            </a:gradFill>
+            <a:ln>
+              <a:noFill/>
+            </a:ln>
+            <a:effectLst>
+              <a:innerShdw blurRad="1270000" dist="2540000">
+                <a:schemeClr val="accent1">
+                  <a:lumMod val="60000"/>
+                  <a:lumOff val="40000"/>
+                  <a:alpha val="0"/>
+                </a:schemeClr>
+              </a:innerShdw>
+            </a:effectLst>
+          </p:spPr>
+          <p:style>
+            <a:lnRef idx="2">
+              <a:schemeClr val="accent1">
+                <a:shade val="50000"/>
+              </a:schemeClr>
+            </a:lnRef>
+            <a:fillRef idx="1">
+              <a:schemeClr val="accent1"/>
+            </a:fillRef>
+            <a:effectRef idx="0">
+              <a:schemeClr val="accent1"/>
+            </a:effectRef>
+            <a:fontRef idx="minor">
+              <a:schemeClr val="lt1"/>
+            </a:fontRef>
+          </p:style>
+          <p:txBody>
+            <a:bodyPr rot="0" spcFirstLastPara="0" vertOverflow="overflow" horzOverflow="overflow" vert="horz" wrap="square" lIns="91440" tIns="45720" rIns="91440" bIns="45720" numCol="1" spcCol="0" rtlCol="0" fromWordArt="0" anchor="ctr" anchorCtr="0" forceAA="0" compatLnSpc="1">
+              <a:prstTxWarp prst="textNoShape">
+                <a:avLst/>
+              </a:prstTxWarp>
+              <a:noAutofit/>
+            </a:bodyPr>
+            <a:lstStyle/>
+            <a:p>
+              <a:pPr algn="ctr"/>
+              <a:endParaRPr lang="en-US"/>
+            </a:p>
+          </p:txBody>
+        </p:sp>
+      </p:grpSp>
+      <p:grpSp>
+        <p:nvGrpSpPr>
+          <p:cNvPr id="39" name="Group 26">
+            <a:extLst>
+              <a:ext uri="{FF2B5EF4-FFF2-40B4-BE49-F238E27FC236}">
+                <a16:creationId xmlns:a16="http://schemas.microsoft.com/office/drawing/2014/main" id="{E82CFC28-5F56-4F2C-A953-AB57C1CE5CE5}"/>
+              </a:ext>
+              <a:ext uri="{C183D7F6-B498-43B3-948B-1728B52AA6E4}">
+                <adec:decorative xmlns:adec="http://schemas.microsoft.com/office/drawing/2017/decorative" val="1"/>
+              </a:ext>
+            </a:extLst>
+          </p:cNvPr>
+          <p:cNvGrpSpPr>
+            <a:grpSpLocks noGrp="1" noUngrp="1" noRot="1" noChangeAspect="1" noMove="1" noResize="1"/>
+          </p:cNvGrpSpPr>
+          <p:nvPr>
+            <p:extLst>
+              <p:ext uri="{386F3935-93C4-4BCD-93E2-E3B085C9AB24}">
+                <p16:designElem xmlns:p16="http://schemas.microsoft.com/office/powerpoint/2015/main" val="1"/>
+              </p:ext>
+            </p:extLst>
+          </p:nvPr>
+        </p:nvGrpSpPr>
+        <p:grpSpPr>
+          <a:xfrm>
+            <a:off x="8004386" y="5149126"/>
+            <a:ext cx="762805" cy="734873"/>
+            <a:chOff x="7950336" y="1300590"/>
+            <a:chExt cx="762805" cy="734873"/>
+          </a:xfrm>
+        </p:grpSpPr>
+        <p:sp>
+          <p:nvSpPr>
+            <p:cNvPr id="28" name="Freeform 5">
+              <a:extLst>
+                <a:ext uri="{FF2B5EF4-FFF2-40B4-BE49-F238E27FC236}">
+                  <a16:creationId xmlns:a16="http://schemas.microsoft.com/office/drawing/2014/main" id="{492EB854-02D8-4A9E-8BA5-5FEE21DD094C}"/>
+                </a:ext>
+                <a:ext uri="{C183D7F6-B498-43B3-948B-1728B52AA6E4}">
+                  <adec:decorative xmlns:adec="http://schemas.microsoft.com/office/drawing/2017/decorative" val="1"/>
+                </a:ext>
+              </a:extLst>
+            </p:cNvPr>
+            <p:cNvSpPr>
+              <a:spLocks/>
+            </p:cNvSpPr>
+            <p:nvPr>
+              <p:extLst>
+                <p:ext uri="{386F3935-93C4-4BCD-93E2-E3B085C9AB24}">
+                  <p16:designElem xmlns:p16="http://schemas.microsoft.com/office/powerpoint/2015/main" val="1"/>
+                </p:ext>
+              </p:extLst>
+            </p:nvPr>
+          </p:nvSpPr>
+          <p:spPr bwMode="auto">
+            <a:xfrm rot="3600000">
+              <a:off x="8220298" y="1428832"/>
+              <a:ext cx="621086" cy="364601"/>
+            </a:xfrm>
+            <a:custGeom>
+              <a:avLst/>
+              <a:gdLst>
+                <a:gd name="T0" fmla="*/ 266 w 540"/>
+                <a:gd name="T1" fmla="*/ 0 h 317"/>
+                <a:gd name="T2" fmla="*/ 0 w 540"/>
+                <a:gd name="T3" fmla="*/ 158 h 317"/>
+                <a:gd name="T4" fmla="*/ 266 w 540"/>
+                <a:gd name="T5" fmla="*/ 317 h 317"/>
+                <a:gd name="T6" fmla="*/ 540 w 540"/>
+                <a:gd name="T7" fmla="*/ 158 h 317"/>
+                <a:gd name="T8" fmla="*/ 266 w 540"/>
+                <a:gd name="T9" fmla="*/ 0 h 317"/>
+              </a:gdLst>
+              <a:ahLst/>
+              <a:cxnLst>
+                <a:cxn ang="0">
+                  <a:pos x="T0" y="T1"/>
+                </a:cxn>
+                <a:cxn ang="0">
+                  <a:pos x="T2" y="T3"/>
+                </a:cxn>
+                <a:cxn ang="0">
+                  <a:pos x="T4" y="T5"/>
+                </a:cxn>
+                <a:cxn ang="0">
+                  <a:pos x="T6" y="T7"/>
+                </a:cxn>
+                <a:cxn ang="0">
+                  <a:pos x="T8" y="T9"/>
+                </a:cxn>
+              </a:cxnLst>
+              <a:rect l="0" t="0" r="r" b="b"/>
+              <a:pathLst>
+                <a:path w="540" h="317">
+                  <a:moveTo>
+                    <a:pt x="266" y="0"/>
+                  </a:moveTo>
+                  <a:lnTo>
+                    <a:pt x="0" y="158"/>
+                  </a:lnTo>
+                  <a:lnTo>
+                    <a:pt x="266" y="317"/>
+                  </a:lnTo>
+                  <a:lnTo>
+                    <a:pt x="540" y="158"/>
+                  </a:lnTo>
+                  <a:lnTo>
+                    <a:pt x="266" y="0"/>
+                  </a:lnTo>
+                  <a:close/>
+                </a:path>
+              </a:pathLst>
+            </a:custGeom>
+            <a:gradFill flip="none" rotWithShape="1">
+              <a:gsLst>
+                <a:gs pos="20000">
+                  <a:schemeClr val="bg2">
+                    <a:lumMod val="90000"/>
+                    <a:lumOff val="10000"/>
+                    <a:alpha val="60000"/>
+                  </a:schemeClr>
+                </a:gs>
+                <a:gs pos="100000">
+                  <a:schemeClr val="accent1">
+                    <a:lumMod val="60000"/>
+                    <a:lumOff val="40000"/>
+                    <a:alpha val="60000"/>
+                  </a:schemeClr>
+                </a:gs>
+              </a:gsLst>
+              <a:lin ang="0" scaled="0"/>
+              <a:tileRect/>
+            </a:gradFill>
+            <a:ln>
+              <a:noFill/>
+            </a:ln>
+            <a:effectLst>
+              <a:innerShdw blurRad="254000">
+                <a:schemeClr val="bg2"/>
+              </a:innerShdw>
+            </a:effectLst>
+          </p:spPr>
+          <p:style>
+            <a:lnRef idx="2">
+              <a:schemeClr val="accent1">
+                <a:shade val="50000"/>
+              </a:schemeClr>
+            </a:lnRef>
+            <a:fillRef idx="1">
+              <a:schemeClr val="accent1"/>
+            </a:fillRef>
+            <a:effectRef idx="0">
+              <a:schemeClr val="accent1"/>
+            </a:effectRef>
+            <a:fontRef idx="minor">
+              <a:schemeClr val="lt1"/>
+            </a:fontRef>
+          </p:style>
+          <p:txBody>
+            <a:bodyPr rot="0" spcFirstLastPara="0" vertOverflow="overflow" horzOverflow="overflow" vert="horz" wrap="square" lIns="91440" tIns="45720" rIns="91440" bIns="45720" numCol="1" spcCol="0" rtlCol="0" fromWordArt="0" anchor="ctr" anchorCtr="0" forceAA="0" compatLnSpc="1">
+              <a:prstTxWarp prst="textNoShape">
+                <a:avLst/>
+              </a:prstTxWarp>
+              <a:noAutofit/>
+            </a:bodyPr>
+            <a:lstStyle/>
+            <a:p>
+              <a:pPr algn="ctr"/>
+              <a:endParaRPr lang="en-US"/>
+            </a:p>
+          </p:txBody>
+        </p:sp>
+        <p:sp>
+          <p:nvSpPr>
+            <p:cNvPr id="29" name="Freeform 6">
+              <a:extLst>
+                <a:ext uri="{FF2B5EF4-FFF2-40B4-BE49-F238E27FC236}">
+                  <a16:creationId xmlns:a16="http://schemas.microsoft.com/office/drawing/2014/main" id="{A1676C39-91DD-4843-8315-4285BA1E7E87}"/>
+                </a:ext>
+                <a:ext uri="{C183D7F6-B498-43B3-948B-1728B52AA6E4}">
+                  <adec:decorative xmlns:adec="http://schemas.microsoft.com/office/drawing/2017/decorative" val="1"/>
+                </a:ext>
+              </a:extLst>
+            </p:cNvPr>
+            <p:cNvSpPr>
+              <a:spLocks/>
+            </p:cNvSpPr>
+            <p:nvPr>
+              <p:extLst>
+                <p:ext uri="{386F3935-93C4-4BCD-93E2-E3B085C9AB24}">
+                  <p16:designElem xmlns:p16="http://schemas.microsoft.com/office/powerpoint/2015/main" val="1"/>
+                </p:ext>
+              </p:extLst>
+            </p:nvPr>
+          </p:nvSpPr>
+          <p:spPr bwMode="auto">
+            <a:xfrm rot="3600000">
+              <a:off x="8066503" y="1339815"/>
+              <a:ext cx="305942" cy="538275"/>
+            </a:xfrm>
+            <a:custGeom>
+              <a:avLst/>
+              <a:gdLst>
+                <a:gd name="T0" fmla="*/ 266 w 266"/>
+                <a:gd name="T1" fmla="*/ 468 h 468"/>
+                <a:gd name="T2" fmla="*/ 0 w 266"/>
+                <a:gd name="T3" fmla="*/ 310 h 468"/>
+                <a:gd name="T4" fmla="*/ 0 w 266"/>
+                <a:gd name="T5" fmla="*/ 310 h 468"/>
+                <a:gd name="T6" fmla="*/ 0 w 266"/>
+                <a:gd name="T7" fmla="*/ 0 h 468"/>
+                <a:gd name="T8" fmla="*/ 0 w 266"/>
+                <a:gd name="T9" fmla="*/ 0 h 468"/>
+                <a:gd name="T10" fmla="*/ 266 w 266"/>
+                <a:gd name="T11" fmla="*/ 159 h 468"/>
+                <a:gd name="T12" fmla="*/ 266 w 266"/>
+                <a:gd name="T13" fmla="*/ 468 h 468"/>
+              </a:gdLst>
+              <a:ahLst/>
+              <a:cxnLst>
+                <a:cxn ang="0">
+                  <a:pos x="T0" y="T1"/>
+                </a:cxn>
+                <a:cxn ang="0">
+                  <a:pos x="T2" y="T3"/>
+                </a:cxn>
+                <a:cxn ang="0">
+                  <a:pos x="T4" y="T5"/>
+                </a:cxn>
+                <a:cxn ang="0">
+                  <a:pos x="T6" y="T7"/>
+                </a:cxn>
+                <a:cxn ang="0">
+                  <a:pos x="T8" y="T9"/>
+                </a:cxn>
+                <a:cxn ang="0">
+                  <a:pos x="T10" y="T11"/>
+                </a:cxn>
+                <a:cxn ang="0">
+                  <a:pos x="T12" y="T13"/>
+                </a:cxn>
+              </a:cxnLst>
+              <a:rect l="0" t="0" r="r" b="b"/>
+              <a:pathLst>
+                <a:path w="266" h="468">
+                  <a:moveTo>
+                    <a:pt x="266" y="468"/>
+                  </a:moveTo>
+                  <a:lnTo>
+                    <a:pt x="0" y="310"/>
+                  </a:lnTo>
+                  <a:lnTo>
+                    <a:pt x="0" y="310"/>
+                  </a:lnTo>
+                  <a:lnTo>
+                    <a:pt x="0" y="0"/>
+                  </a:lnTo>
+                  <a:lnTo>
+                    <a:pt x="0" y="0"/>
+                  </a:lnTo>
+                  <a:lnTo>
+                    <a:pt x="266" y="159"/>
+                  </a:lnTo>
+                  <a:lnTo>
+                    <a:pt x="266" y="468"/>
+                  </a:lnTo>
+                  <a:close/>
+                </a:path>
+              </a:pathLst>
+            </a:custGeom>
+            <a:gradFill flip="none" rotWithShape="1">
+              <a:gsLst>
+                <a:gs pos="20000">
+                  <a:schemeClr val="bg2">
+                    <a:lumMod val="90000"/>
+                    <a:lumOff val="10000"/>
+                    <a:alpha val="60000"/>
+                  </a:schemeClr>
+                </a:gs>
+                <a:gs pos="100000">
+                  <a:schemeClr val="accent1">
+                    <a:lumMod val="60000"/>
+                    <a:lumOff val="40000"/>
+                  </a:schemeClr>
+                </a:gs>
+              </a:gsLst>
+              <a:lin ang="18000000" scaled="0"/>
+              <a:tileRect/>
+            </a:gradFill>
+            <a:ln>
+              <a:noFill/>
+            </a:ln>
+            <a:effectLst>
+              <a:innerShdw blurRad="254000">
+                <a:schemeClr val="bg2">
+                  <a:lumMod val="90000"/>
+                  <a:lumOff val="10000"/>
+                </a:schemeClr>
+              </a:innerShdw>
+            </a:effectLst>
+          </p:spPr>
+          <p:style>
+            <a:lnRef idx="2">
+              <a:schemeClr val="accent1">
+                <a:shade val="50000"/>
+              </a:schemeClr>
+            </a:lnRef>
+            <a:fillRef idx="1">
+              <a:schemeClr val="accent1"/>
+            </a:fillRef>
+            <a:effectRef idx="0">
+              <a:schemeClr val="accent1"/>
+            </a:effectRef>
+            <a:fontRef idx="minor">
+              <a:schemeClr val="lt1"/>
+            </a:fontRef>
+          </p:style>
+          <p:txBody>
+            <a:bodyPr rot="0" spcFirstLastPara="0" vertOverflow="overflow" horzOverflow="overflow" vert="horz" wrap="square" lIns="91440" tIns="45720" rIns="91440" bIns="45720" numCol="1" spcCol="0" rtlCol="0" fromWordArt="0" anchor="ctr" anchorCtr="0" forceAA="0" compatLnSpc="1">
+              <a:prstTxWarp prst="textNoShape">
+                <a:avLst/>
+              </a:prstTxWarp>
+              <a:noAutofit/>
+            </a:bodyPr>
+            <a:lstStyle/>
+            <a:p>
+              <a:pPr algn="ctr"/>
+              <a:endParaRPr lang="en-US"/>
+            </a:p>
+          </p:txBody>
+        </p:sp>
+        <p:sp>
+          <p:nvSpPr>
+            <p:cNvPr id="30" name="Freeform 8">
+              <a:extLst>
+                <a:ext uri="{FF2B5EF4-FFF2-40B4-BE49-F238E27FC236}">
+                  <a16:creationId xmlns:a16="http://schemas.microsoft.com/office/drawing/2014/main" id="{B339FEEC-A688-4A3E-BA2C-8FC738A8AF43}"/>
+                </a:ext>
+                <a:ext uri="{C183D7F6-B498-43B3-948B-1728B52AA6E4}">
+                  <adec:decorative xmlns:adec="http://schemas.microsoft.com/office/drawing/2017/decorative" val="1"/>
+                </a:ext>
+              </a:extLst>
+            </p:cNvPr>
+            <p:cNvSpPr>
+              <a:spLocks/>
+            </p:cNvSpPr>
+            <p:nvPr>
+              <p:extLst>
+                <p:ext uri="{386F3935-93C4-4BCD-93E2-E3B085C9AB24}">
+                  <p16:designElem xmlns:p16="http://schemas.microsoft.com/office/powerpoint/2015/main" val="1"/>
+                </p:ext>
+              </p:extLst>
+            </p:nvPr>
+          </p:nvSpPr>
+          <p:spPr bwMode="auto">
+            <a:xfrm rot="3600000">
+              <a:off x="8217173" y="1608753"/>
+              <a:ext cx="315144" cy="538275"/>
+            </a:xfrm>
+            <a:custGeom>
+              <a:avLst/>
+              <a:gdLst>
+                <a:gd name="T0" fmla="*/ 274 w 274"/>
+                <a:gd name="T1" fmla="*/ 0 h 468"/>
+                <a:gd name="T2" fmla="*/ 274 w 274"/>
+                <a:gd name="T3" fmla="*/ 310 h 468"/>
+                <a:gd name="T4" fmla="*/ 274 w 274"/>
+                <a:gd name="T5" fmla="*/ 310 h 468"/>
+                <a:gd name="T6" fmla="*/ 0 w 274"/>
+                <a:gd name="T7" fmla="*/ 468 h 468"/>
+                <a:gd name="T8" fmla="*/ 0 w 274"/>
+                <a:gd name="T9" fmla="*/ 159 h 468"/>
+                <a:gd name="T10" fmla="*/ 274 w 274"/>
+                <a:gd name="T11" fmla="*/ 0 h 468"/>
+                <a:gd name="T12" fmla="*/ 274 w 274"/>
+                <a:gd name="T13" fmla="*/ 0 h 468"/>
+              </a:gdLst>
+              <a:ahLst/>
+              <a:cxnLst>
+                <a:cxn ang="0">
+                  <a:pos x="T0" y="T1"/>
+                </a:cxn>
+                <a:cxn ang="0">
+                  <a:pos x="T2" y="T3"/>
+                </a:cxn>
+                <a:cxn ang="0">
+                  <a:pos x="T4" y="T5"/>
+                </a:cxn>
+                <a:cxn ang="0">
+                  <a:pos x="T6" y="T7"/>
+                </a:cxn>
+                <a:cxn ang="0">
+                  <a:pos x="T8" y="T9"/>
+                </a:cxn>
+                <a:cxn ang="0">
+                  <a:pos x="T10" y="T11"/>
+                </a:cxn>
+                <a:cxn ang="0">
+                  <a:pos x="T12" y="T13"/>
+                </a:cxn>
+              </a:cxnLst>
+              <a:rect l="0" t="0" r="r" b="b"/>
+              <a:pathLst>
+                <a:path w="274" h="468">
+                  <a:moveTo>
+                    <a:pt x="274" y="0"/>
+                  </a:moveTo>
+                  <a:lnTo>
+                    <a:pt x="274" y="310"/>
+                  </a:lnTo>
+                  <a:lnTo>
+                    <a:pt x="274" y="310"/>
+                  </a:lnTo>
+                  <a:lnTo>
+                    <a:pt x="0" y="468"/>
+                  </a:lnTo>
+                  <a:lnTo>
+                    <a:pt x="0" y="159"/>
+                  </a:lnTo>
+                  <a:lnTo>
+                    <a:pt x="274" y="0"/>
+                  </a:lnTo>
+                  <a:lnTo>
+                    <a:pt x="274" y="0"/>
+                  </a:lnTo>
+                  <a:close/>
+                </a:path>
+              </a:pathLst>
+            </a:custGeom>
+            <a:gradFill flip="none" rotWithShape="1">
+              <a:gsLst>
+                <a:gs pos="20000">
+                  <a:schemeClr val="bg2">
+                    <a:lumMod val="90000"/>
+                    <a:lumOff val="10000"/>
+                    <a:alpha val="60000"/>
+                  </a:schemeClr>
+                </a:gs>
+                <a:gs pos="100000">
+                  <a:schemeClr val="accent1">
+                    <a:lumMod val="60000"/>
+                    <a:lumOff val="40000"/>
+                    <a:alpha val="60000"/>
+                  </a:schemeClr>
+                </a:gs>
+              </a:gsLst>
+              <a:lin ang="18000000" scaled="0"/>
+              <a:tileRect/>
+            </a:gradFill>
+            <a:ln>
+              <a:noFill/>
+            </a:ln>
+            <a:effectLst>
+              <a:innerShdw blurRad="508000">
+                <a:schemeClr val="bg2"/>
+              </a:innerShdw>
+            </a:effectLst>
+          </p:spPr>
+          <p:style>
+            <a:lnRef idx="2">
+              <a:schemeClr val="accent1">
+                <a:shade val="50000"/>
+              </a:schemeClr>
+            </a:lnRef>
+            <a:fillRef idx="1">
+              <a:schemeClr val="accent1"/>
+            </a:fillRef>
+            <a:effectRef idx="0">
+              <a:schemeClr val="accent1"/>
+            </a:effectRef>
+            <a:fontRef idx="minor">
+              <a:schemeClr val="lt1"/>
+            </a:fontRef>
+          </p:style>
+          <p:txBody>
+            <a:bodyPr rot="0" spcFirstLastPara="0" vertOverflow="overflow" horzOverflow="overflow" vert="horz" wrap="square" lIns="91440" tIns="45720" rIns="91440" bIns="45720" numCol="1" spcCol="0" rtlCol="0" fromWordArt="0" anchor="ctr" anchorCtr="0" forceAA="0" compatLnSpc="1">
+              <a:prstTxWarp prst="textNoShape">
+                <a:avLst/>
+              </a:prstTxWarp>
+              <a:noAutofit/>
+            </a:bodyPr>
+            <a:lstStyle/>
+            <a:p>
+              <a:pPr algn="ctr"/>
+              <a:endParaRPr lang="en-US"/>
+            </a:p>
+          </p:txBody>
+        </p:sp>
+      </p:grpSp>
+    </p:spTree>
+    <p:extLst>
+      <p:ext uri="{BB962C8B-B14F-4D97-AF65-F5344CB8AC3E}">
+        <p14:creationId xmlns:p14="http://schemas.microsoft.com/office/powerpoint/2010/main" val="2551926625"/>
+      </p:ext>
+    </p:extLst>
+  </p:cSld>
+  <p:clrMapOvr>
+    <a:masterClrMapping/>
+  </p:clrMapOvr>
+</p:sld>
+</file>
+
 <file path=ppt/slides/slide2.xml><?xml version="1.0" encoding="utf-8"?>
 <p:sld xmlns:a="http://schemas.openxmlformats.org/drawingml/2006/main" xmlns:r="http://schemas.openxmlformats.org/officeDocument/2006/relationships" xmlns:p="http://schemas.openxmlformats.org/presentationml/2006/main">
   <p:cSld>
@@ -10708,494 +12691,6 @@
           <a:chExt cx="0" cy="0"/>
         </a:xfrm>
       </p:grpSpPr>
-      <p:grpSp>
-        <p:nvGrpSpPr>
-          <p:cNvPr id="87" name="Group 72">
-            <a:extLst>
-              <a:ext uri="{FF2B5EF4-FFF2-40B4-BE49-F238E27FC236}">
-                <a16:creationId xmlns:a16="http://schemas.microsoft.com/office/drawing/2014/main" id="{3BDBC526-6DCD-4FF6-8395-D8C22E46E527}"/>
-              </a:ext>
-              <a:ext uri="{C183D7F6-B498-43B3-948B-1728B52AA6E4}">
-                <adec:decorative xmlns:adec="http://schemas.microsoft.com/office/drawing/2017/decorative" val="1"/>
-              </a:ext>
-            </a:extLst>
-          </p:cNvPr>
-          <p:cNvGrpSpPr>
-            <a:grpSpLocks noGrp="1" noUngrp="1" noRot="1" noChangeAspect="1" noMove="1" noResize="1"/>
-          </p:cNvGrpSpPr>
-          <p:nvPr>
-            <p:extLst>
-              <p:ext uri="{386F3935-93C4-4BCD-93E2-E3B085C9AB24}">
-                <p16:designElem xmlns:p16="http://schemas.microsoft.com/office/powerpoint/2015/main" val="1"/>
-              </p:ext>
-            </p:extLst>
-          </p:nvPr>
-        </p:nvGrpSpPr>
-        <p:grpSpPr>
-          <a:xfrm>
-            <a:off x="613998" y="487521"/>
-            <a:ext cx="3173546" cy="5813683"/>
-            <a:chOff x="10490969" y="-3398400"/>
-            <a:chExt cx="3173546" cy="5813683"/>
-          </a:xfrm>
-        </p:grpSpPr>
-        <p:sp>
-          <p:nvSpPr>
-            <p:cNvPr id="74" name="Freeform: Shape 73">
-              <a:extLst>
-                <a:ext uri="{FF2B5EF4-FFF2-40B4-BE49-F238E27FC236}">
-                  <a16:creationId xmlns:a16="http://schemas.microsoft.com/office/drawing/2014/main" id="{02ECB475-568C-47AC-B16D-2E202DEB2DE0}"/>
-                </a:ext>
-                <a:ext uri="{C183D7F6-B498-43B3-948B-1728B52AA6E4}">
-                  <adec:decorative xmlns:adec="http://schemas.microsoft.com/office/drawing/2017/decorative" val="1"/>
-                </a:ext>
-              </a:extLst>
-            </p:cNvPr>
-            <p:cNvSpPr>
-              <a:spLocks noChangeAspect="1"/>
-            </p:cNvSpPr>
-            <p:nvPr>
-              <p:extLst>
-                <p:ext uri="{386F3935-93C4-4BCD-93E2-E3B085C9AB24}">
-                  <p16:designElem xmlns:p16="http://schemas.microsoft.com/office/powerpoint/2015/main" val="1"/>
-                </p:ext>
-              </p:extLst>
-            </p:nvPr>
-          </p:nvSpPr>
-          <p:spPr>
-            <a:xfrm rot="2700000" flipH="1" flipV="1">
-              <a:off x="12962818" y="-3179569"/>
-              <a:ext cx="920528" cy="482866"/>
-            </a:xfrm>
-            <a:custGeom>
-              <a:avLst/>
-              <a:gdLst>
-                <a:gd name="connsiteX0" fmla="*/ 1329373 w 2658746"/>
-                <a:gd name="connsiteY0" fmla="*/ 0 h 1329373"/>
-                <a:gd name="connsiteX1" fmla="*/ 2658746 w 2658746"/>
-                <a:gd name="connsiteY1" fmla="*/ 1329373 h 1329373"/>
-                <a:gd name="connsiteX2" fmla="*/ 1994059 w 2658746"/>
-                <a:gd name="connsiteY2" fmla="*/ 1329373 h 1329373"/>
-                <a:gd name="connsiteX3" fmla="*/ 1329373 w 2658746"/>
-                <a:gd name="connsiteY3" fmla="*/ 664687 h 1329373"/>
-                <a:gd name="connsiteX4" fmla="*/ 664687 w 2658746"/>
-                <a:gd name="connsiteY4" fmla="*/ 1329373 h 1329373"/>
-                <a:gd name="connsiteX5" fmla="*/ 0 w 2658746"/>
-                <a:gd name="connsiteY5" fmla="*/ 1329373 h 1329373"/>
-                <a:gd name="connsiteX6" fmla="*/ 1329373 w 2658746"/>
-                <a:gd name="connsiteY6" fmla="*/ 0 h 1329373"/>
-              </a:gdLst>
-              <a:ahLst/>
-              <a:cxnLst>
-                <a:cxn ang="0">
-                  <a:pos x="connsiteX0" y="connsiteY0"/>
-                </a:cxn>
-                <a:cxn ang="0">
-                  <a:pos x="connsiteX1" y="connsiteY1"/>
-                </a:cxn>
-                <a:cxn ang="0">
-                  <a:pos x="connsiteX2" y="connsiteY2"/>
-                </a:cxn>
-                <a:cxn ang="0">
-                  <a:pos x="connsiteX3" y="connsiteY3"/>
-                </a:cxn>
-                <a:cxn ang="0">
-                  <a:pos x="connsiteX4" y="connsiteY4"/>
-                </a:cxn>
-                <a:cxn ang="0">
-                  <a:pos x="connsiteX5" y="connsiteY5"/>
-                </a:cxn>
-                <a:cxn ang="0">
-                  <a:pos x="connsiteX6" y="connsiteY6"/>
-                </a:cxn>
-              </a:cxnLst>
-              <a:rect l="l" t="t" r="r" b="b"/>
-              <a:pathLst>
-                <a:path w="2658746" h="1329373">
-                  <a:moveTo>
-                    <a:pt x="1329373" y="0"/>
-                  </a:moveTo>
-                  <a:cubicBezTo>
-                    <a:pt x="2063565" y="0"/>
-                    <a:pt x="2658746" y="595181"/>
-                    <a:pt x="2658746" y="1329373"/>
-                  </a:cubicBezTo>
-                  <a:lnTo>
-                    <a:pt x="1994059" y="1329373"/>
-                  </a:lnTo>
-                  <a:cubicBezTo>
-                    <a:pt x="1994059" y="962277"/>
-                    <a:pt x="1696469" y="664687"/>
-                    <a:pt x="1329373" y="664687"/>
-                  </a:cubicBezTo>
-                  <a:cubicBezTo>
-                    <a:pt x="962277" y="664687"/>
-                    <a:pt x="664687" y="962277"/>
-                    <a:pt x="664687" y="1329373"/>
-                  </a:cubicBezTo>
-                  <a:lnTo>
-                    <a:pt x="0" y="1329373"/>
-                  </a:lnTo>
-                  <a:cubicBezTo>
-                    <a:pt x="0" y="595181"/>
-                    <a:pt x="595181" y="0"/>
-                    <a:pt x="1329373" y="0"/>
-                  </a:cubicBezTo>
-                  <a:close/>
-                </a:path>
-              </a:pathLst>
-            </a:custGeom>
-            <a:solidFill>
-              <a:schemeClr val="bg2"/>
-            </a:solidFill>
-            <a:ln>
-              <a:noFill/>
-            </a:ln>
-            <a:effectLst>
-              <a:innerShdw blurRad="127000" dist="50800" dir="13500000">
-                <a:schemeClr val="accent1">
-                  <a:lumMod val="40000"/>
-                  <a:lumOff val="60000"/>
-                  <a:alpha val="20000"/>
-                </a:schemeClr>
-              </a:innerShdw>
-            </a:effectLst>
-          </p:spPr>
-          <p:style>
-            <a:lnRef idx="2">
-              <a:schemeClr val="accent1">
-                <a:shade val="50000"/>
-              </a:schemeClr>
-            </a:lnRef>
-            <a:fillRef idx="1">
-              <a:schemeClr val="accent1"/>
-            </a:fillRef>
-            <a:effectRef idx="0">
-              <a:schemeClr val="accent1"/>
-            </a:effectRef>
-            <a:fontRef idx="minor">
-              <a:schemeClr val="lt1"/>
-            </a:fontRef>
-          </p:style>
-          <p:txBody>
-            <a:bodyPr rtlCol="0" anchor="ctr"/>
-            <a:lstStyle/>
-            <a:p>
-              <a:pPr algn="ctr"/>
-              <a:endParaRPr lang="en-US">
-                <a:solidFill>
-                  <a:schemeClr val="tx1"/>
-                </a:solidFill>
-              </a:endParaRPr>
-            </a:p>
-          </p:txBody>
-        </p:sp>
-        <p:sp>
-          <p:nvSpPr>
-            <p:cNvPr id="75" name="Oval 74">
-              <a:extLst>
-                <a:ext uri="{FF2B5EF4-FFF2-40B4-BE49-F238E27FC236}">
-                  <a16:creationId xmlns:a16="http://schemas.microsoft.com/office/drawing/2014/main" id="{080D8764-525A-441E-B58F-068E82F09714}"/>
-                </a:ext>
-                <a:ext uri="{C183D7F6-B498-43B3-948B-1728B52AA6E4}">
-                  <adec:decorative xmlns:adec="http://schemas.microsoft.com/office/drawing/2017/decorative" val="1"/>
-                </a:ext>
-              </a:extLst>
-            </p:cNvPr>
-            <p:cNvSpPr/>
-            <p:nvPr>
-              <p:extLst>
-                <p:ext uri="{386F3935-93C4-4BCD-93E2-E3B085C9AB24}">
-                  <p16:designElem xmlns:p16="http://schemas.microsoft.com/office/powerpoint/2015/main" val="1"/>
-                </p:ext>
-              </p:extLst>
-            </p:nvPr>
-          </p:nvSpPr>
-          <p:spPr>
-            <a:xfrm rot="8100000" flipH="1" flipV="1">
-              <a:off x="11115555" y="1939340"/>
-              <a:ext cx="53549" cy="233295"/>
-            </a:xfrm>
-            <a:prstGeom prst="ellipse">
-              <a:avLst/>
-            </a:prstGeom>
-            <a:solidFill>
-              <a:schemeClr val="bg2">
-                <a:lumMod val="90000"/>
-                <a:lumOff val="10000"/>
-              </a:schemeClr>
-            </a:solidFill>
-            <a:ln>
-              <a:noFill/>
-            </a:ln>
-            <a:effectLst>
-              <a:innerShdw blurRad="63500" dist="2540000">
-                <a:schemeClr val="accent1">
-                  <a:lumMod val="60000"/>
-                  <a:lumOff val="40000"/>
-                  <a:alpha val="0"/>
-                </a:schemeClr>
-              </a:innerShdw>
-            </a:effectLst>
-          </p:spPr>
-          <p:style>
-            <a:lnRef idx="2">
-              <a:schemeClr val="accent1">
-                <a:shade val="50000"/>
-              </a:schemeClr>
-            </a:lnRef>
-            <a:fillRef idx="1">
-              <a:schemeClr val="accent1"/>
-            </a:fillRef>
-            <a:effectRef idx="0">
-              <a:schemeClr val="accent1"/>
-            </a:effectRef>
-            <a:fontRef idx="minor">
-              <a:schemeClr val="lt1"/>
-            </a:fontRef>
-          </p:style>
-          <p:txBody>
-            <a:bodyPr rot="0" spcFirstLastPara="0" vertOverflow="overflow" horzOverflow="overflow" vert="horz" wrap="square" lIns="91440" tIns="45720" rIns="91440" bIns="45720" numCol="1" spcCol="0" rtlCol="0" fromWordArt="0" anchor="ctr" anchorCtr="0" forceAA="0" compatLnSpc="1">
-              <a:prstTxWarp prst="textNoShape">
-                <a:avLst/>
-              </a:prstTxWarp>
-              <a:noAutofit/>
-            </a:bodyPr>
-            <a:lstStyle/>
-            <a:p>
-              <a:pPr algn="ctr"/>
-              <a:endParaRPr lang="en-US"/>
-            </a:p>
-          </p:txBody>
-        </p:sp>
-        <p:sp>
-          <p:nvSpPr>
-            <p:cNvPr id="76" name="Oval 75">
-              <a:extLst>
-                <a:ext uri="{FF2B5EF4-FFF2-40B4-BE49-F238E27FC236}">
-                  <a16:creationId xmlns:a16="http://schemas.microsoft.com/office/drawing/2014/main" id="{11196109-6F2B-4738-B2FC-2CCC753AABD4}"/>
-                </a:ext>
-                <a:ext uri="{C183D7F6-B498-43B3-948B-1728B52AA6E4}">
-                  <adec:decorative xmlns:adec="http://schemas.microsoft.com/office/drawing/2017/decorative" val="1"/>
-                </a:ext>
-              </a:extLst>
-            </p:cNvPr>
-            <p:cNvSpPr/>
-            <p:nvPr>
-              <p:extLst>
-                <p:ext uri="{386F3935-93C4-4BCD-93E2-E3B085C9AB24}">
-                  <p16:designElem xmlns:p16="http://schemas.microsoft.com/office/powerpoint/2015/main" val="1"/>
-                </p:ext>
-              </p:extLst>
-            </p:nvPr>
-          </p:nvSpPr>
-          <p:spPr>
-            <a:xfrm rot="8100000" flipH="1" flipV="1">
-              <a:off x="10625042" y="1448827"/>
-              <a:ext cx="53549" cy="233295"/>
-            </a:xfrm>
-            <a:prstGeom prst="ellipse">
-              <a:avLst/>
-            </a:prstGeom>
-            <a:solidFill>
-              <a:schemeClr val="bg2">
-                <a:lumMod val="90000"/>
-                <a:lumOff val="10000"/>
-              </a:schemeClr>
-            </a:solidFill>
-            <a:ln>
-              <a:noFill/>
-            </a:ln>
-            <a:effectLst>
-              <a:innerShdw blurRad="63500" dist="2540000">
-                <a:schemeClr val="accent1">
-                  <a:lumMod val="60000"/>
-                  <a:lumOff val="40000"/>
-                  <a:alpha val="0"/>
-                </a:schemeClr>
-              </a:innerShdw>
-            </a:effectLst>
-          </p:spPr>
-          <p:style>
-            <a:lnRef idx="2">
-              <a:schemeClr val="accent1">
-                <a:shade val="50000"/>
-              </a:schemeClr>
-            </a:lnRef>
-            <a:fillRef idx="1">
-              <a:schemeClr val="accent1"/>
-            </a:fillRef>
-            <a:effectRef idx="0">
-              <a:schemeClr val="accent1"/>
-            </a:effectRef>
-            <a:fontRef idx="minor">
-              <a:schemeClr val="lt1"/>
-            </a:fontRef>
-          </p:style>
-          <p:txBody>
-            <a:bodyPr rot="0" spcFirstLastPara="0" vertOverflow="overflow" horzOverflow="overflow" vert="horz" wrap="square" lIns="91440" tIns="45720" rIns="91440" bIns="45720" numCol="1" spcCol="0" rtlCol="0" fromWordArt="0" anchor="ctr" anchorCtr="0" forceAA="0" compatLnSpc="1">
-              <a:prstTxWarp prst="textNoShape">
-                <a:avLst/>
-              </a:prstTxWarp>
-              <a:noAutofit/>
-            </a:bodyPr>
-            <a:lstStyle/>
-            <a:p>
-              <a:pPr algn="ctr"/>
-              <a:endParaRPr lang="en-US"/>
-            </a:p>
-          </p:txBody>
-        </p:sp>
-        <p:sp>
-          <p:nvSpPr>
-            <p:cNvPr id="77" name="Freeform: Shape 76">
-              <a:extLst>
-                <a:ext uri="{FF2B5EF4-FFF2-40B4-BE49-F238E27FC236}">
-                  <a16:creationId xmlns:a16="http://schemas.microsoft.com/office/drawing/2014/main" id="{F7E468C2-69B8-470B-85E3-801A3CB1D7E2}"/>
-                </a:ext>
-                <a:ext uri="{C183D7F6-B498-43B3-948B-1728B52AA6E4}">
-                  <adec:decorative xmlns:adec="http://schemas.microsoft.com/office/drawing/2017/decorative" val="1"/>
-                </a:ext>
-              </a:extLst>
-            </p:cNvPr>
-            <p:cNvSpPr>
-              <a:spLocks noChangeAspect="1"/>
-            </p:cNvSpPr>
-            <p:nvPr>
-              <p:extLst>
-                <p:ext uri="{386F3935-93C4-4BCD-93E2-E3B085C9AB24}">
-                  <p16:designElem xmlns:p16="http://schemas.microsoft.com/office/powerpoint/2015/main" val="1"/>
-                </p:ext>
-              </p:extLst>
-            </p:nvPr>
-          </p:nvSpPr>
-          <p:spPr>
-            <a:xfrm rot="2700000" flipH="1" flipV="1">
-              <a:off x="10292519" y="1686748"/>
-              <a:ext cx="926985" cy="530086"/>
-            </a:xfrm>
-            <a:custGeom>
-              <a:avLst/>
-              <a:gdLst>
-                <a:gd name="connsiteX0" fmla="*/ 1329373 w 2658746"/>
-                <a:gd name="connsiteY0" fmla="*/ 0 h 1329373"/>
-                <a:gd name="connsiteX1" fmla="*/ 2658746 w 2658746"/>
-                <a:gd name="connsiteY1" fmla="*/ 1329373 h 1329373"/>
-                <a:gd name="connsiteX2" fmla="*/ 1994059 w 2658746"/>
-                <a:gd name="connsiteY2" fmla="*/ 1329373 h 1329373"/>
-                <a:gd name="connsiteX3" fmla="*/ 1329373 w 2658746"/>
-                <a:gd name="connsiteY3" fmla="*/ 664687 h 1329373"/>
-                <a:gd name="connsiteX4" fmla="*/ 664687 w 2658746"/>
-                <a:gd name="connsiteY4" fmla="*/ 1329373 h 1329373"/>
-                <a:gd name="connsiteX5" fmla="*/ 0 w 2658746"/>
-                <a:gd name="connsiteY5" fmla="*/ 1329373 h 1329373"/>
-                <a:gd name="connsiteX6" fmla="*/ 1329373 w 2658746"/>
-                <a:gd name="connsiteY6" fmla="*/ 0 h 1329373"/>
-              </a:gdLst>
-              <a:ahLst/>
-              <a:cxnLst>
-                <a:cxn ang="0">
-                  <a:pos x="connsiteX0" y="connsiteY0"/>
-                </a:cxn>
-                <a:cxn ang="0">
-                  <a:pos x="connsiteX1" y="connsiteY1"/>
-                </a:cxn>
-                <a:cxn ang="0">
-                  <a:pos x="connsiteX2" y="connsiteY2"/>
-                </a:cxn>
-                <a:cxn ang="0">
-                  <a:pos x="connsiteX3" y="connsiteY3"/>
-                </a:cxn>
-                <a:cxn ang="0">
-                  <a:pos x="connsiteX4" y="connsiteY4"/>
-                </a:cxn>
-                <a:cxn ang="0">
-                  <a:pos x="connsiteX5" y="connsiteY5"/>
-                </a:cxn>
-                <a:cxn ang="0">
-                  <a:pos x="connsiteX6" y="connsiteY6"/>
-                </a:cxn>
-              </a:cxnLst>
-              <a:rect l="l" t="t" r="r" b="b"/>
-              <a:pathLst>
-                <a:path w="2658746" h="1329373">
-                  <a:moveTo>
-                    <a:pt x="1329373" y="0"/>
-                  </a:moveTo>
-                  <a:cubicBezTo>
-                    <a:pt x="2063565" y="0"/>
-                    <a:pt x="2658746" y="595181"/>
-                    <a:pt x="2658746" y="1329373"/>
-                  </a:cubicBezTo>
-                  <a:lnTo>
-                    <a:pt x="1994059" y="1329373"/>
-                  </a:lnTo>
-                  <a:cubicBezTo>
-                    <a:pt x="1994059" y="962277"/>
-                    <a:pt x="1696469" y="664687"/>
-                    <a:pt x="1329373" y="664687"/>
-                  </a:cubicBezTo>
-                  <a:cubicBezTo>
-                    <a:pt x="962277" y="664687"/>
-                    <a:pt x="664687" y="962277"/>
-                    <a:pt x="664687" y="1329373"/>
-                  </a:cubicBezTo>
-                  <a:lnTo>
-                    <a:pt x="0" y="1329373"/>
-                  </a:lnTo>
-                  <a:cubicBezTo>
-                    <a:pt x="0" y="595181"/>
-                    <a:pt x="595181" y="0"/>
-                    <a:pt x="1329373" y="0"/>
-                  </a:cubicBezTo>
-                  <a:close/>
-                </a:path>
-              </a:pathLst>
-            </a:custGeom>
-            <a:solidFill>
-              <a:schemeClr val="bg2">
-                <a:lumMod val="50000"/>
-                <a:lumOff val="50000"/>
-                <a:alpha val="20000"/>
-              </a:schemeClr>
-            </a:solidFill>
-            <a:ln>
-              <a:noFill/>
-            </a:ln>
-            <a:effectLst>
-              <a:softEdge rad="101600"/>
-            </a:effectLst>
-          </p:spPr>
-          <p:style>
-            <a:lnRef idx="2">
-              <a:schemeClr val="accent1">
-                <a:shade val="50000"/>
-              </a:schemeClr>
-            </a:lnRef>
-            <a:fillRef idx="1">
-              <a:schemeClr val="accent1"/>
-            </a:fillRef>
-            <a:effectRef idx="0">
-              <a:schemeClr val="accent1"/>
-            </a:effectRef>
-            <a:fontRef idx="minor">
-              <a:schemeClr val="lt1"/>
-            </a:fontRef>
-          </p:style>
-          <p:txBody>
-            <a:bodyPr rtlCol="0" anchor="ctr"/>
-            <a:lstStyle/>
-            <a:p>
-              <a:pPr algn="ctr"/>
-              <a:endParaRPr lang="en-US">
-                <a:solidFill>
-                  <a:schemeClr val="tx1"/>
-                </a:solidFill>
-              </a:endParaRPr>
-            </a:p>
-          </p:txBody>
-        </p:sp>
-      </p:grpSp>
       <p:sp>
         <p:nvSpPr>
           <p:cNvPr id="7" name="TextBox 6">
@@ -11210,7 +12705,7 @@
         </p:nvSpPr>
         <p:spPr>
           <a:xfrm>
-            <a:off x="479829" y="2613823"/>
+            <a:off x="479829" y="2724436"/>
             <a:ext cx="3565525" cy="3414425"/>
           </a:xfrm>
           <a:prstGeom prst="rect">
@@ -13822,8 +15317,14 @@
           <a:lstStyle/>
           <a:p>
             <a:r>
-              <a:rPr lang="en-US" sz="4800"/>
-              <a:t>Space Module Description</a:t>
+              <a:rPr lang="en-US" sz="4400">
+                <a:latin typeface="Century Gothic"/>
+              </a:rPr>
+              <a:t>Space Module Descriptio</a:t>
+            </a:r>
+            <a:r>
+              <a:rPr lang="en-US" sz="4400"/>
+              <a:t>n</a:t>
             </a:r>
           </a:p>
         </p:txBody>
@@ -17814,12 +19315,7 @@
             <p:ph type="title"/>
           </p:nvPr>
         </p:nvSpPr>
-        <p:spPr>
-          <a:xfrm>
-            <a:off x="550863" y="723934"/>
-            <a:ext cx="4500562" cy="623258"/>
-          </a:xfrm>
-        </p:spPr>
+        <p:spPr/>
         <p:txBody>
           <a:bodyPr/>
           <a:lstStyle/>
@@ -18607,14 +20103,6 @@
 <file path=ppt/slides/slide9.xml><?xml version="1.0" encoding="utf-8"?>
 <p:sld xmlns:a="http://schemas.openxmlformats.org/drawingml/2006/main" xmlns:r="http://schemas.openxmlformats.org/officeDocument/2006/relationships" xmlns:p="http://schemas.openxmlformats.org/presentationml/2006/main">
   <p:cSld>
-    <p:bg>
-      <p:bgPr>
-        <a:solidFill>
-          <a:schemeClr val="bg2"/>
-        </a:solidFill>
-        <a:effectLst/>
-      </p:bgPr>
-    </p:bg>
     <p:spTree>
       <p:nvGrpSpPr>
         <p:cNvPr id="1" name=""/>
@@ -18631,870 +20119,69 @@
       </p:grpSpPr>
       <p:sp>
         <p:nvSpPr>
-          <p:cNvPr id="31" name="Freeform: Shape 6">
+          <p:cNvPr id="2" name="Заголовок 1">
             <a:extLst>
               <a:ext uri="{FF2B5EF4-FFF2-40B4-BE49-F238E27FC236}">
-                <a16:creationId xmlns:a16="http://schemas.microsoft.com/office/drawing/2014/main" id="{82184FF4-7029-4ED7-813A-192E60608764}"/>
-              </a:ext>
-              <a:ext uri="{C183D7F6-B498-43B3-948B-1728B52AA6E4}">
-                <adec:decorative xmlns:adec="http://schemas.microsoft.com/office/drawing/2017/decorative" val="1"/>
+                <a16:creationId xmlns:a16="http://schemas.microsoft.com/office/drawing/2014/main" id="{59957663-8F4A-08FA-2165-5222F1F4F8FD}"/>
               </a:ext>
             </a:extLst>
           </p:cNvPr>
           <p:cNvSpPr>
-            <a:spLocks noGrp="1" noRot="1" noChangeAspect="1" noMove="1" noResize="1" noEditPoints="1" noAdjustHandles="1" noChangeArrowheads="1" noChangeShapeType="1" noTextEdit="1"/>
+            <a:spLocks noGrp="1"/>
           </p:cNvSpPr>
           <p:nvPr>
-            <p:extLst>
-              <p:ext uri="{386F3935-93C4-4BCD-93E2-E3B085C9AB24}">
-                <p16:designElem xmlns:p16="http://schemas.microsoft.com/office/powerpoint/2015/main" val="1"/>
-              </p:ext>
-            </p:extLst>
+            <p:ph type="title"/>
           </p:nvPr>
         </p:nvSpPr>
         <p:spPr>
-          <a:xfrm rot="2700000">
-            <a:off x="612445" y="481888"/>
-            <a:ext cx="1080000" cy="1262947"/>
+          <a:xfrm>
+            <a:off x="3507674" y="983459"/>
+            <a:ext cx="7566515" cy="1267077"/>
           </a:xfrm>
-          <a:custGeom>
-            <a:avLst/>
-            <a:gdLst/>
-            <a:ahLst/>
-            <a:cxnLst/>
-            <a:rect l="l" t="t" r="r" b="b"/>
-            <a:pathLst>
-              <a:path w="1080000" h="1262947">
-                <a:moveTo>
-                  <a:pt x="540000" y="0"/>
-                </a:moveTo>
-                <a:lnTo>
-                  <a:pt x="1064374" y="931034"/>
-                </a:lnTo>
-                <a:lnTo>
-                  <a:pt x="1069029" y="938533"/>
-                </a:lnTo>
-                <a:cubicBezTo>
-                  <a:pt x="1076223" y="956109"/>
-                  <a:pt x="1080000" y="974307"/>
-                  <a:pt x="1080000" y="992947"/>
-                </a:cubicBezTo>
-                <a:cubicBezTo>
-                  <a:pt x="1080000" y="1142064"/>
-                  <a:pt x="838234" y="1262947"/>
-                  <a:pt x="540000" y="1262947"/>
-                </a:cubicBezTo>
-                <a:cubicBezTo>
-                  <a:pt x="241766" y="1262947"/>
-                  <a:pt x="0" y="1142064"/>
-                  <a:pt x="0" y="992947"/>
-                </a:cubicBezTo>
-                <a:cubicBezTo>
-                  <a:pt x="0" y="974307"/>
-                  <a:pt x="3778" y="956109"/>
-                  <a:pt x="10971" y="938533"/>
-                </a:cubicBezTo>
-                <a:lnTo>
-                  <a:pt x="15626" y="931034"/>
-                </a:lnTo>
-                <a:lnTo>
-                  <a:pt x="540000" y="0"/>
-                </a:lnTo>
-                <a:close/>
-              </a:path>
-            </a:pathLst>
-          </a:custGeom>
-          <a:gradFill>
-            <a:gsLst>
-              <a:gs pos="60000">
-                <a:schemeClr val="bg2">
-                  <a:lumMod val="90000"/>
-                  <a:lumOff val="10000"/>
-                </a:schemeClr>
-              </a:gs>
-              <a:gs pos="30000">
-                <a:schemeClr val="bg2">
-                  <a:lumMod val="90000"/>
-                  <a:lumOff val="10000"/>
-                </a:schemeClr>
-              </a:gs>
-              <a:gs pos="40000">
-                <a:schemeClr val="bg2">
-                  <a:lumMod val="75000"/>
-                  <a:lumOff val="25000"/>
-                </a:schemeClr>
-              </a:gs>
-              <a:gs pos="100000">
-                <a:schemeClr val="bg2"/>
-              </a:gs>
-            </a:gsLst>
-            <a:lin ang="600000" scaled="0"/>
-          </a:gradFill>
-          <a:ln>
-            <a:noFill/>
-          </a:ln>
-          <a:effectLst>
-            <a:innerShdw blurRad="254000" dist="101600" dir="2700000">
-              <a:schemeClr val="accent1">
-                <a:lumMod val="60000"/>
-                <a:lumOff val="40000"/>
-                <a:alpha val="40000"/>
-              </a:schemeClr>
-            </a:innerShdw>
-          </a:effectLst>
         </p:spPr>
-        <p:style>
-          <a:lnRef idx="2">
-            <a:schemeClr val="accent1">
-              <a:shade val="50000"/>
-            </a:schemeClr>
-          </a:lnRef>
-          <a:fillRef idx="1">
-            <a:schemeClr val="accent1"/>
-          </a:fillRef>
-          <a:effectRef idx="0">
-            <a:schemeClr val="accent1"/>
-          </a:effectRef>
-          <a:fontRef idx="minor">
-            <a:schemeClr val="lt1"/>
-          </a:fontRef>
-        </p:style>
         <p:txBody>
-          <a:bodyPr rot="0" spcFirstLastPara="0" vertOverflow="overflow" horzOverflow="overflow" vert="horz" wrap="square" lIns="91440" tIns="45720" rIns="91440" bIns="45720" numCol="1" spcCol="0" rtlCol="0" fromWordArt="0" anchor="ctr" anchorCtr="0" forceAA="0" compatLnSpc="1">
-            <a:prstTxWarp prst="textNoShape">
-              <a:avLst/>
-            </a:prstTxWarp>
-            <a:noAutofit/>
+          <a:bodyPr>
+            <a:normAutofit fontScale="90000"/>
           </a:bodyPr>
           <a:lstStyle/>
           <a:p>
-            <a:pPr algn="ctr"/>
-            <a:endParaRPr lang="en-US"/>
+            <a:r>
+              <a:rPr lang="ru-RU">
+                <a:latin typeface="Century Gothic"/>
+              </a:rPr>
+              <a:t>Link to our GitHub repository</a:t>
+            </a:r>
           </a:p>
         </p:txBody>
       </p:sp>
       <p:sp>
         <p:nvSpPr>
-          <p:cNvPr id="32" name="Oval 8">
+          <p:cNvPr id="3" name="Прямоугольник: скругленные углы 2">
             <a:extLst>
               <a:ext uri="{FF2B5EF4-FFF2-40B4-BE49-F238E27FC236}">
-                <a16:creationId xmlns:a16="http://schemas.microsoft.com/office/drawing/2014/main" id="{AAA7AB09-557C-41AD-9113-FF9F68FA1035}"/>
-              </a:ext>
-              <a:ext uri="{C183D7F6-B498-43B3-948B-1728B52AA6E4}">
-                <adec:decorative xmlns:adec="http://schemas.microsoft.com/office/drawing/2017/decorative" val="1"/>
+                <a16:creationId xmlns:a16="http://schemas.microsoft.com/office/drawing/2014/main" id="{3469EA94-A671-58F6-1284-036FBA997AAF}"/>
               </a:ext>
             </a:extLst>
           </p:cNvPr>
-          <p:cNvSpPr>
-            <a:spLocks noGrp="1" noRot="1" noChangeAspect="1" noMove="1" noResize="1" noEditPoints="1" noAdjustHandles="1" noChangeArrowheads="1" noChangeShapeType="1" noTextEdit="1"/>
-          </p:cNvSpPr>
-          <p:nvPr>
-            <p:extLst>
-              <p:ext uri="{386F3935-93C4-4BCD-93E2-E3B085C9AB24}">
-                <p16:designElem xmlns:p16="http://schemas.microsoft.com/office/powerpoint/2015/main" val="1"/>
-              </p:ext>
-            </p:extLst>
-          </p:nvPr>
+          <p:cNvSpPr/>
+          <p:nvPr/>
         </p:nvSpPr>
         <p:spPr>
-          <a:xfrm rot="8100000">
-            <a:off x="626845" y="828962"/>
-            <a:ext cx="540000" cy="1080000"/>
+          <a:xfrm>
+            <a:off x="5458653" y="2499400"/>
+            <a:ext cx="3668934" cy="3498202"/>
           </a:xfrm>
-          <a:prstGeom prst="ellipse">
+          <a:prstGeom prst="roundRect">
             <a:avLst/>
           </a:prstGeom>
-          <a:gradFill>
-            <a:gsLst>
-              <a:gs pos="100000">
-                <a:schemeClr val="bg2">
-                  <a:lumMod val="90000"/>
-                  <a:lumOff val="10000"/>
-                </a:schemeClr>
-              </a:gs>
-              <a:gs pos="50000">
-                <a:schemeClr val="bg2">
-                  <a:lumMod val="95000"/>
-                  <a:lumOff val="5000"/>
-                </a:schemeClr>
-              </a:gs>
-            </a:gsLst>
-            <a:lin ang="5400000" scaled="0"/>
-          </a:gradFill>
-          <a:ln>
-            <a:noFill/>
-          </a:ln>
-          <a:effectLst>
-            <a:innerShdw blurRad="1270000" dist="2540000">
-              <a:schemeClr val="accent1">
-                <a:lumMod val="60000"/>
-                <a:lumOff val="40000"/>
-                <a:alpha val="0"/>
-              </a:schemeClr>
-            </a:innerShdw>
-          </a:effectLst>
+          <a:solidFill>
+            <a:schemeClr val="tx1"/>
+          </a:solidFill>
         </p:spPr>
         <p:style>
           <a:lnRef idx="2">
             <a:schemeClr val="accent1">
-              <a:shade val="50000"/>
-            </a:schemeClr>
-          </a:lnRef>
-          <a:fillRef idx="1">
-            <a:schemeClr val="accent1"/>
-          </a:fillRef>
-          <a:effectRef idx="0">
-            <a:schemeClr val="accent1"/>
-          </a:effectRef>
-          <a:fontRef idx="minor">
-            <a:schemeClr val="lt1"/>
-          </a:fontRef>
-        </p:style>
-        <p:txBody>
-          <a:bodyPr rot="0" spcFirstLastPara="0" vertOverflow="overflow" horzOverflow="overflow" vert="horz" wrap="square" lIns="91440" tIns="45720" rIns="91440" bIns="45720" numCol="1" spcCol="0" rtlCol="0" fromWordArt="0" anchor="ctr" anchorCtr="0" forceAA="0" compatLnSpc="1">
-            <a:prstTxWarp prst="textNoShape">
-              <a:avLst/>
-            </a:prstTxWarp>
-            <a:noAutofit/>
-          </a:bodyPr>
-          <a:lstStyle/>
-          <a:p>
-            <a:pPr algn="ctr"/>
-            <a:endParaRPr lang="en-US"/>
-          </a:p>
-        </p:txBody>
-      </p:sp>
-      <p:sp>
-        <p:nvSpPr>
-          <p:cNvPr id="33" name="Oval 10">
-            <a:extLst>
-              <a:ext uri="{FF2B5EF4-FFF2-40B4-BE49-F238E27FC236}">
-                <a16:creationId xmlns:a16="http://schemas.microsoft.com/office/drawing/2014/main" id="{EF99ECAA-1F11-4937-BBA6-51935AB44C9D}"/>
-              </a:ext>
-              <a:ext uri="{C183D7F6-B498-43B3-948B-1728B52AA6E4}">
-                <adec:decorative xmlns:adec="http://schemas.microsoft.com/office/drawing/2017/decorative" val="1"/>
-              </a:ext>
-            </a:extLst>
-          </p:cNvPr>
-          <p:cNvSpPr>
-            <a:spLocks noGrp="1" noRot="1" noChangeAspect="1" noMove="1" noResize="1" noEditPoints="1" noAdjustHandles="1" noChangeArrowheads="1" noChangeShapeType="1" noTextEdit="1"/>
-          </p:cNvSpPr>
-          <p:nvPr>
-            <p:extLst>
-              <p:ext uri="{386F3935-93C4-4BCD-93E2-E3B085C9AB24}">
-                <p16:designElem xmlns:p16="http://schemas.microsoft.com/office/powerpoint/2015/main" val="1"/>
-              </p:ext>
-            </p:extLst>
-          </p:nvPr>
-        </p:nvSpPr>
-        <p:spPr>
-          <a:xfrm>
-            <a:off x="1800802" y="2472855"/>
-            <a:ext cx="360000" cy="360000"/>
-          </a:xfrm>
-          <a:prstGeom prst="ellipse">
-            <a:avLst/>
-          </a:prstGeom>
-          <a:gradFill flip="none" rotWithShape="1">
-            <a:gsLst>
-              <a:gs pos="100000">
-                <a:schemeClr val="bg2">
-                  <a:lumMod val="50000"/>
-                  <a:lumOff val="50000"/>
-                </a:schemeClr>
-              </a:gs>
-              <a:gs pos="60000">
-                <a:schemeClr val="bg2"/>
-              </a:gs>
-            </a:gsLst>
-            <a:path path="circle">
-              <a:fillToRect l="100000" b="100000"/>
-            </a:path>
-            <a:tileRect t="-100000" r="-100000"/>
-          </a:gradFill>
-          <a:ln>
-            <a:noFill/>
-          </a:ln>
-          <a:effectLst>
-            <a:innerShdw blurRad="127000" dist="63500" dir="2700000">
-              <a:schemeClr val="accent1">
-                <a:lumMod val="60000"/>
-                <a:lumOff val="40000"/>
-                <a:alpha val="20000"/>
-              </a:schemeClr>
-            </a:innerShdw>
-            <a:softEdge rad="0"/>
-          </a:effectLst>
-        </p:spPr>
-        <p:style>
-          <a:lnRef idx="2">
-            <a:schemeClr val="accent1">
-              <a:shade val="50000"/>
-            </a:schemeClr>
-          </a:lnRef>
-          <a:fillRef idx="1">
-            <a:schemeClr val="accent1"/>
-          </a:fillRef>
-          <a:effectRef idx="0">
-            <a:schemeClr val="accent1"/>
-          </a:effectRef>
-          <a:fontRef idx="minor">
-            <a:schemeClr val="lt1"/>
-          </a:fontRef>
-        </p:style>
-        <p:txBody>
-          <a:bodyPr rot="0" spcFirstLastPara="0" vertOverflow="overflow" horzOverflow="overflow" vert="horz" wrap="square" lIns="91440" tIns="45720" rIns="91440" bIns="45720" numCol="1" spcCol="0" rtlCol="0" fromWordArt="0" anchor="ctr" anchorCtr="0" forceAA="0" compatLnSpc="1">
-            <a:prstTxWarp prst="textNoShape">
-              <a:avLst/>
-            </a:prstTxWarp>
-            <a:noAutofit/>
-          </a:bodyPr>
-          <a:lstStyle/>
-          <a:p>
-            <a:pPr algn="ctr"/>
-            <a:endParaRPr lang="en-US"/>
-          </a:p>
-        </p:txBody>
-      </p:sp>
-      <p:grpSp>
-        <p:nvGrpSpPr>
-          <p:cNvPr id="34" name="Group 12">
-            <a:extLst>
-              <a:ext uri="{FF2B5EF4-FFF2-40B4-BE49-F238E27FC236}">
-                <a16:creationId xmlns:a16="http://schemas.microsoft.com/office/drawing/2014/main" id="{79DE9FAB-6BBA-4CFE-B67D-77B47F01ECA4}"/>
-              </a:ext>
-              <a:ext uri="{C183D7F6-B498-43B3-948B-1728B52AA6E4}">
-                <adec:decorative xmlns:adec="http://schemas.microsoft.com/office/drawing/2017/decorative" val="1"/>
-              </a:ext>
-            </a:extLst>
-          </p:cNvPr>
-          <p:cNvGrpSpPr>
-            <a:grpSpLocks noGrp="1" noUngrp="1" noRot="1" noChangeAspect="1" noMove="1" noResize="1"/>
-          </p:cNvGrpSpPr>
-          <p:nvPr>
-            <p:extLst>
-              <p:ext uri="{386F3935-93C4-4BCD-93E2-E3B085C9AB24}">
-                <p16:designElem xmlns:p16="http://schemas.microsoft.com/office/powerpoint/2015/main" val="1"/>
-              </p:ext>
-            </p:extLst>
-          </p:nvPr>
-        </p:nvGrpSpPr>
-        <p:grpSpPr>
-          <a:xfrm>
-            <a:off x="1329952" y="4524379"/>
-            <a:ext cx="1980001" cy="1363916"/>
-            <a:chOff x="4879602" y="3781429"/>
-            <a:chExt cx="1980001" cy="1363916"/>
-          </a:xfrm>
-        </p:grpSpPr>
-        <p:sp>
-          <p:nvSpPr>
-            <p:cNvPr id="14" name="Freeform: Shape 13">
-              <a:extLst>
-                <a:ext uri="{FF2B5EF4-FFF2-40B4-BE49-F238E27FC236}">
-                  <a16:creationId xmlns:a16="http://schemas.microsoft.com/office/drawing/2014/main" id="{79FAC916-D9BB-4794-81B4-7C47C67E850D}"/>
-                </a:ext>
-                <a:ext uri="{C183D7F6-B498-43B3-948B-1728B52AA6E4}">
-                  <adec:decorative xmlns:adec="http://schemas.microsoft.com/office/drawing/2017/decorative" val="1"/>
-                </a:ext>
-              </a:extLst>
-            </p:cNvPr>
-            <p:cNvSpPr>
-              <a:spLocks noChangeAspect="1"/>
-            </p:cNvSpPr>
-            <p:nvPr>
-              <p:extLst>
-                <p:ext uri="{386F3935-93C4-4BCD-93E2-E3B085C9AB24}">
-                  <p16:designElem xmlns:p16="http://schemas.microsoft.com/office/powerpoint/2015/main" val="1"/>
-                </p:ext>
-              </p:extLst>
-            </p:nvPr>
-          </p:nvSpPr>
-          <p:spPr>
-            <a:xfrm rot="18900000" flipV="1">
-              <a:off x="5005634" y="4191206"/>
-              <a:ext cx="1853969" cy="926985"/>
-            </a:xfrm>
-            <a:custGeom>
-              <a:avLst/>
-              <a:gdLst>
-                <a:gd name="connsiteX0" fmla="*/ 1329373 w 2658746"/>
-                <a:gd name="connsiteY0" fmla="*/ 0 h 1329373"/>
-                <a:gd name="connsiteX1" fmla="*/ 2658746 w 2658746"/>
-                <a:gd name="connsiteY1" fmla="*/ 1329373 h 1329373"/>
-                <a:gd name="connsiteX2" fmla="*/ 1994059 w 2658746"/>
-                <a:gd name="connsiteY2" fmla="*/ 1329373 h 1329373"/>
-                <a:gd name="connsiteX3" fmla="*/ 1329373 w 2658746"/>
-                <a:gd name="connsiteY3" fmla="*/ 664687 h 1329373"/>
-                <a:gd name="connsiteX4" fmla="*/ 664687 w 2658746"/>
-                <a:gd name="connsiteY4" fmla="*/ 1329373 h 1329373"/>
-                <a:gd name="connsiteX5" fmla="*/ 0 w 2658746"/>
-                <a:gd name="connsiteY5" fmla="*/ 1329373 h 1329373"/>
-                <a:gd name="connsiteX6" fmla="*/ 1329373 w 2658746"/>
-                <a:gd name="connsiteY6" fmla="*/ 0 h 1329373"/>
-              </a:gdLst>
-              <a:ahLst/>
-              <a:cxnLst>
-                <a:cxn ang="0">
-                  <a:pos x="connsiteX0" y="connsiteY0"/>
-                </a:cxn>
-                <a:cxn ang="0">
-                  <a:pos x="connsiteX1" y="connsiteY1"/>
-                </a:cxn>
-                <a:cxn ang="0">
-                  <a:pos x="connsiteX2" y="connsiteY2"/>
-                </a:cxn>
-                <a:cxn ang="0">
-                  <a:pos x="connsiteX3" y="connsiteY3"/>
-                </a:cxn>
-                <a:cxn ang="0">
-                  <a:pos x="connsiteX4" y="connsiteY4"/>
-                </a:cxn>
-                <a:cxn ang="0">
-                  <a:pos x="connsiteX5" y="connsiteY5"/>
-                </a:cxn>
-                <a:cxn ang="0">
-                  <a:pos x="connsiteX6" y="connsiteY6"/>
-                </a:cxn>
-              </a:cxnLst>
-              <a:rect l="l" t="t" r="r" b="b"/>
-              <a:pathLst>
-                <a:path w="2658746" h="1329373">
-                  <a:moveTo>
-                    <a:pt x="1329373" y="0"/>
-                  </a:moveTo>
-                  <a:cubicBezTo>
-                    <a:pt x="2063565" y="0"/>
-                    <a:pt x="2658746" y="595181"/>
-                    <a:pt x="2658746" y="1329373"/>
-                  </a:cubicBezTo>
-                  <a:lnTo>
-                    <a:pt x="1994059" y="1329373"/>
-                  </a:lnTo>
-                  <a:cubicBezTo>
-                    <a:pt x="1994059" y="962277"/>
-                    <a:pt x="1696469" y="664687"/>
-                    <a:pt x="1329373" y="664687"/>
-                  </a:cubicBezTo>
-                  <a:cubicBezTo>
-                    <a:pt x="962277" y="664687"/>
-                    <a:pt x="664687" y="962277"/>
-                    <a:pt x="664687" y="1329373"/>
-                  </a:cubicBezTo>
-                  <a:lnTo>
-                    <a:pt x="0" y="1329373"/>
-                  </a:lnTo>
-                  <a:cubicBezTo>
-                    <a:pt x="0" y="595181"/>
-                    <a:pt x="595181" y="0"/>
-                    <a:pt x="1329373" y="0"/>
-                  </a:cubicBezTo>
-                  <a:close/>
-                </a:path>
-              </a:pathLst>
-            </a:custGeom>
-            <a:solidFill>
-              <a:schemeClr val="bg2"/>
-            </a:solidFill>
-            <a:ln>
-              <a:noFill/>
-            </a:ln>
-            <a:effectLst>
-              <a:innerShdw blurRad="254000" dist="50800" dir="16200000">
-                <a:schemeClr val="accent1">
-                  <a:lumMod val="40000"/>
-                  <a:lumOff val="60000"/>
-                  <a:alpha val="40000"/>
-                </a:schemeClr>
-              </a:innerShdw>
-            </a:effectLst>
-          </p:spPr>
-          <p:style>
-            <a:lnRef idx="2">
-              <a:schemeClr val="accent1">
-                <a:shade val="50000"/>
-              </a:schemeClr>
-            </a:lnRef>
-            <a:fillRef idx="1">
-              <a:schemeClr val="accent1"/>
-            </a:fillRef>
-            <a:effectRef idx="0">
-              <a:schemeClr val="accent1"/>
-            </a:effectRef>
-            <a:fontRef idx="minor">
-              <a:schemeClr val="lt1"/>
-            </a:fontRef>
-          </p:style>
-          <p:txBody>
-            <a:bodyPr rtlCol="0" anchor="ctr"/>
-            <a:lstStyle/>
-            <a:p>
-              <a:pPr algn="ctr"/>
-              <a:endParaRPr lang="en-US" dirty="0"/>
-            </a:p>
-          </p:txBody>
-        </p:sp>
-        <p:sp>
-          <p:nvSpPr>
-            <p:cNvPr id="15" name="Freeform: Shape 14">
-              <a:extLst>
-                <a:ext uri="{FF2B5EF4-FFF2-40B4-BE49-F238E27FC236}">
-                  <a16:creationId xmlns:a16="http://schemas.microsoft.com/office/drawing/2014/main" id="{B5CA2231-7A65-4D16-8400-A210CC41DB73}"/>
-                </a:ext>
-                <a:ext uri="{C183D7F6-B498-43B3-948B-1728B52AA6E4}">
-                  <adec:decorative xmlns:adec="http://schemas.microsoft.com/office/drawing/2017/decorative" val="1"/>
-                </a:ext>
-              </a:extLst>
-            </p:cNvPr>
-            <p:cNvSpPr>
-              <a:spLocks noChangeAspect="1"/>
-            </p:cNvSpPr>
-            <p:nvPr>
-              <p:extLst>
-                <p:ext uri="{386F3935-93C4-4BCD-93E2-E3B085C9AB24}">
-                  <p16:designElem xmlns:p16="http://schemas.microsoft.com/office/powerpoint/2015/main" val="1"/>
-                </p:ext>
-              </p:extLst>
-            </p:nvPr>
-          </p:nvSpPr>
-          <p:spPr>
-            <a:xfrm rot="18900000" flipV="1">
-              <a:off x="4957101" y="4052255"/>
-              <a:ext cx="1853969" cy="1093090"/>
-            </a:xfrm>
-            <a:custGeom>
-              <a:avLst/>
-              <a:gdLst>
-                <a:gd name="connsiteX0" fmla="*/ 1329373 w 2658746"/>
-                <a:gd name="connsiteY0" fmla="*/ 0 h 1329373"/>
-                <a:gd name="connsiteX1" fmla="*/ 2658746 w 2658746"/>
-                <a:gd name="connsiteY1" fmla="*/ 1329373 h 1329373"/>
-                <a:gd name="connsiteX2" fmla="*/ 1994059 w 2658746"/>
-                <a:gd name="connsiteY2" fmla="*/ 1329373 h 1329373"/>
-                <a:gd name="connsiteX3" fmla="*/ 1329373 w 2658746"/>
-                <a:gd name="connsiteY3" fmla="*/ 664687 h 1329373"/>
-                <a:gd name="connsiteX4" fmla="*/ 664687 w 2658746"/>
-                <a:gd name="connsiteY4" fmla="*/ 1329373 h 1329373"/>
-                <a:gd name="connsiteX5" fmla="*/ 0 w 2658746"/>
-                <a:gd name="connsiteY5" fmla="*/ 1329373 h 1329373"/>
-                <a:gd name="connsiteX6" fmla="*/ 1329373 w 2658746"/>
-                <a:gd name="connsiteY6" fmla="*/ 0 h 1329373"/>
-              </a:gdLst>
-              <a:ahLst/>
-              <a:cxnLst>
-                <a:cxn ang="0">
-                  <a:pos x="connsiteX0" y="connsiteY0"/>
-                </a:cxn>
-                <a:cxn ang="0">
-                  <a:pos x="connsiteX1" y="connsiteY1"/>
-                </a:cxn>
-                <a:cxn ang="0">
-                  <a:pos x="connsiteX2" y="connsiteY2"/>
-                </a:cxn>
-                <a:cxn ang="0">
-                  <a:pos x="connsiteX3" y="connsiteY3"/>
-                </a:cxn>
-                <a:cxn ang="0">
-                  <a:pos x="connsiteX4" y="connsiteY4"/>
-                </a:cxn>
-                <a:cxn ang="0">
-                  <a:pos x="connsiteX5" y="connsiteY5"/>
-                </a:cxn>
-                <a:cxn ang="0">
-                  <a:pos x="connsiteX6" y="connsiteY6"/>
-                </a:cxn>
-              </a:cxnLst>
-              <a:rect l="l" t="t" r="r" b="b"/>
-              <a:pathLst>
-                <a:path w="2658746" h="1329373">
-                  <a:moveTo>
-                    <a:pt x="1329373" y="0"/>
-                  </a:moveTo>
-                  <a:cubicBezTo>
-                    <a:pt x="2063565" y="0"/>
-                    <a:pt x="2658746" y="595181"/>
-                    <a:pt x="2658746" y="1329373"/>
-                  </a:cubicBezTo>
-                  <a:lnTo>
-                    <a:pt x="1994059" y="1329373"/>
-                  </a:lnTo>
-                  <a:cubicBezTo>
-                    <a:pt x="1994059" y="962277"/>
-                    <a:pt x="1696469" y="664687"/>
-                    <a:pt x="1329373" y="664687"/>
-                  </a:cubicBezTo>
-                  <a:cubicBezTo>
-                    <a:pt x="962277" y="664687"/>
-                    <a:pt x="664687" y="962277"/>
-                    <a:pt x="664687" y="1329373"/>
-                  </a:cubicBezTo>
-                  <a:lnTo>
-                    <a:pt x="0" y="1329373"/>
-                  </a:lnTo>
-                  <a:cubicBezTo>
-                    <a:pt x="0" y="595181"/>
-                    <a:pt x="595181" y="0"/>
-                    <a:pt x="1329373" y="0"/>
-                  </a:cubicBezTo>
-                  <a:close/>
-                </a:path>
-              </a:pathLst>
-            </a:custGeom>
-            <a:solidFill>
-              <a:schemeClr val="bg2">
-                <a:lumMod val="50000"/>
-                <a:lumOff val="50000"/>
-                <a:alpha val="40000"/>
-              </a:schemeClr>
-            </a:solidFill>
-            <a:ln>
-              <a:noFill/>
-            </a:ln>
-            <a:effectLst>
-              <a:softEdge rad="190500"/>
-            </a:effectLst>
-          </p:spPr>
-          <p:style>
-            <a:lnRef idx="2">
-              <a:schemeClr val="accent1">
-                <a:shade val="50000"/>
-              </a:schemeClr>
-            </a:lnRef>
-            <a:fillRef idx="1">
-              <a:schemeClr val="accent1"/>
-            </a:fillRef>
-            <a:effectRef idx="0">
-              <a:schemeClr val="accent1"/>
-            </a:effectRef>
-            <a:fontRef idx="minor">
-              <a:schemeClr val="lt1"/>
-            </a:fontRef>
-          </p:style>
-          <p:txBody>
-            <a:bodyPr rtlCol="0" anchor="ctr"/>
-            <a:lstStyle/>
-            <a:p>
-              <a:pPr algn="ctr"/>
-              <a:endParaRPr lang="en-US" dirty="0">
-                <a:solidFill>
-                  <a:schemeClr val="tx1"/>
-                </a:solidFill>
-              </a:endParaRPr>
-            </a:p>
-          </p:txBody>
-        </p:sp>
-        <p:sp>
-          <p:nvSpPr>
-            <p:cNvPr id="16" name="Oval 15">
-              <a:extLst>
-                <a:ext uri="{FF2B5EF4-FFF2-40B4-BE49-F238E27FC236}">
-                  <a16:creationId xmlns:a16="http://schemas.microsoft.com/office/drawing/2014/main" id="{4B089C8C-B82B-4704-88E2-E857A5E21529}"/>
-                </a:ext>
-                <a:ext uri="{C183D7F6-B498-43B3-948B-1728B52AA6E4}">
-                  <adec:decorative xmlns:adec="http://schemas.microsoft.com/office/drawing/2017/decorative" val="1"/>
-                </a:ext>
-              </a:extLst>
-            </p:cNvPr>
-            <p:cNvSpPr/>
-            <p:nvPr>
-              <p:extLst>
-                <p:ext uri="{386F3935-93C4-4BCD-93E2-E3B085C9AB24}">
-                  <p16:designElem xmlns:p16="http://schemas.microsoft.com/office/powerpoint/2015/main" val="1"/>
-                </p:ext>
-              </p:extLst>
-            </p:nvPr>
-          </p:nvSpPr>
-          <p:spPr>
-            <a:xfrm rot="13500000" flipV="1">
-              <a:off x="6040374" y="3601683"/>
-              <a:ext cx="107098" cy="466589"/>
-            </a:xfrm>
-            <a:prstGeom prst="ellipse">
-              <a:avLst/>
-            </a:prstGeom>
-            <a:solidFill>
-              <a:schemeClr val="bg2">
-                <a:lumMod val="90000"/>
-                <a:lumOff val="10000"/>
-              </a:schemeClr>
-            </a:solidFill>
-            <a:ln>
-              <a:noFill/>
-            </a:ln>
-            <a:effectLst>
-              <a:innerShdw blurRad="63500" dist="2540000">
-                <a:schemeClr val="accent1">
-                  <a:lumMod val="60000"/>
-                  <a:lumOff val="40000"/>
-                  <a:alpha val="0"/>
-                </a:schemeClr>
-              </a:innerShdw>
-            </a:effectLst>
-          </p:spPr>
-          <p:style>
-            <a:lnRef idx="2">
-              <a:schemeClr val="accent1">
-                <a:shade val="50000"/>
-              </a:schemeClr>
-            </a:lnRef>
-            <a:fillRef idx="1">
-              <a:schemeClr val="accent1"/>
-            </a:fillRef>
-            <a:effectRef idx="0">
-              <a:schemeClr val="accent1"/>
-            </a:effectRef>
-            <a:fontRef idx="minor">
-              <a:schemeClr val="lt1"/>
-            </a:fontRef>
-          </p:style>
-          <p:txBody>
-            <a:bodyPr rot="0" spcFirstLastPara="0" vertOverflow="overflow" horzOverflow="overflow" vert="horz" wrap="square" lIns="91440" tIns="45720" rIns="91440" bIns="45720" numCol="1" spcCol="0" rtlCol="0" fromWordArt="0" anchor="ctr" anchorCtr="0" forceAA="0" compatLnSpc="1">
-              <a:prstTxWarp prst="textNoShape">
-                <a:avLst/>
-              </a:prstTxWarp>
-              <a:noAutofit/>
-            </a:bodyPr>
-            <a:lstStyle/>
-            <a:p>
-              <a:pPr algn="ctr"/>
-              <a:endParaRPr lang="en-US"/>
-            </a:p>
-          </p:txBody>
-        </p:sp>
-        <p:sp>
-          <p:nvSpPr>
-            <p:cNvPr id="17" name="Oval 16">
-              <a:extLst>
-                <a:ext uri="{FF2B5EF4-FFF2-40B4-BE49-F238E27FC236}">
-                  <a16:creationId xmlns:a16="http://schemas.microsoft.com/office/drawing/2014/main" id="{434B90C8-5B4D-456E-AD99-80EF748FDD72}"/>
-                </a:ext>
-                <a:ext uri="{C183D7F6-B498-43B3-948B-1728B52AA6E4}">
-                  <adec:decorative xmlns:adec="http://schemas.microsoft.com/office/drawing/2017/decorative" val="1"/>
-                </a:ext>
-              </a:extLst>
-            </p:cNvPr>
-            <p:cNvSpPr/>
-            <p:nvPr>
-              <p:extLst>
-                <p:ext uri="{386F3935-93C4-4BCD-93E2-E3B085C9AB24}">
-                  <p16:designElem xmlns:p16="http://schemas.microsoft.com/office/powerpoint/2015/main" val="1"/>
-                </p:ext>
-              </p:extLst>
-            </p:nvPr>
-          </p:nvSpPr>
-          <p:spPr>
-            <a:xfrm rot="13500000" flipV="1">
-              <a:off x="5059348" y="4582709"/>
-              <a:ext cx="107098" cy="466589"/>
-            </a:xfrm>
-            <a:prstGeom prst="ellipse">
-              <a:avLst/>
-            </a:prstGeom>
-            <a:solidFill>
-              <a:schemeClr val="bg2">
-                <a:lumMod val="90000"/>
-                <a:lumOff val="10000"/>
-              </a:schemeClr>
-            </a:solidFill>
-            <a:ln>
-              <a:noFill/>
-            </a:ln>
-            <a:effectLst>
-              <a:innerShdw blurRad="63500" dist="2540000">
-                <a:schemeClr val="accent1">
-                  <a:lumMod val="60000"/>
-                  <a:lumOff val="40000"/>
-                  <a:alpha val="0"/>
-                </a:schemeClr>
-              </a:innerShdw>
-            </a:effectLst>
-          </p:spPr>
-          <p:style>
-            <a:lnRef idx="2">
-              <a:schemeClr val="accent1">
-                <a:shade val="50000"/>
-              </a:schemeClr>
-            </a:lnRef>
-            <a:fillRef idx="1">
-              <a:schemeClr val="accent1"/>
-            </a:fillRef>
-            <a:effectRef idx="0">
-              <a:schemeClr val="accent1"/>
-            </a:effectRef>
-            <a:fontRef idx="minor">
-              <a:schemeClr val="lt1"/>
-            </a:fontRef>
-          </p:style>
-          <p:txBody>
-            <a:bodyPr rot="0" spcFirstLastPara="0" vertOverflow="overflow" horzOverflow="overflow" vert="horz" wrap="square" lIns="91440" tIns="45720" rIns="91440" bIns="45720" numCol="1" spcCol="0" rtlCol="0" fromWordArt="0" anchor="ctr" anchorCtr="0" forceAA="0" compatLnSpc="1">
-              <a:prstTxWarp prst="textNoShape">
-                <a:avLst/>
-              </a:prstTxWarp>
-              <a:noAutofit/>
-            </a:bodyPr>
-            <a:lstStyle/>
-            <a:p>
-              <a:pPr algn="ctr"/>
-              <a:endParaRPr lang="en-US"/>
-            </a:p>
-          </p:txBody>
-        </p:sp>
-      </p:grpSp>
-      <p:sp useBgFill="1">
-        <p:nvSpPr>
-          <p:cNvPr id="35" name="Rectangle 18">
-            <a:extLst>
-              <a:ext uri="{FF2B5EF4-FFF2-40B4-BE49-F238E27FC236}">
-                <a16:creationId xmlns:a16="http://schemas.microsoft.com/office/drawing/2014/main" id="{1DB043B4-68C6-45B9-82AC-A5800EADB8DB}"/>
-              </a:ext>
-              <a:ext uri="{C183D7F6-B498-43B3-948B-1728B52AA6E4}">
-                <adec:decorative xmlns:adec="http://schemas.microsoft.com/office/drawing/2017/decorative" val="1"/>
-              </a:ext>
-            </a:extLst>
-          </p:cNvPr>
-          <p:cNvSpPr>
-            <a:spLocks noGrp="1" noRot="1" noChangeAspect="1" noMove="1" noResize="1" noEditPoints="1" noAdjustHandles="1" noChangeArrowheads="1" noChangeShapeType="1" noTextEdit="1"/>
-          </p:cNvSpPr>
-          <p:nvPr>
-            <p:extLst>
-              <p:ext uri="{386F3935-93C4-4BCD-93E2-E3B085C9AB24}">
-                <p16:designElem xmlns:p16="http://schemas.microsoft.com/office/powerpoint/2015/main" val="1"/>
-              </p:ext>
-            </p:extLst>
-          </p:nvPr>
-        </p:nvSpPr>
-        <p:spPr>
-          <a:xfrm>
-            <a:off x="0" y="0"/>
-            <a:ext cx="12192000" cy="6858000"/>
-          </a:xfrm>
-          <a:prstGeom prst="rect">
-            <a:avLst/>
-          </a:prstGeom>
-          <a:ln w="12700" cap="flat" cmpd="sng" algn="ctr">
-            <a:noFill/>
-            <a:prstDash val="solid"/>
-            <a:miter lim="800000"/>
-          </a:ln>
-          <a:effectLst/>
-          <a:extLst>
-            <a:ext uri="{91240B29-F687-4F45-9708-019B960494DF}">
-              <a14:hiddenLine xmlns:a14="http://schemas.microsoft.com/office/drawing/2010/main" w="12700" cap="flat" cmpd="sng" algn="ctr">
-                <a:solidFill>
-                  <a:schemeClr val="accent1">
-                    <a:shade val="50000"/>
-                  </a:schemeClr>
-                </a:solidFill>
-                <a:prstDash val="solid"/>
-                <a:miter lim="800000"/>
-              </a14:hiddenLine>
-            </a:ext>
-          </a:extLst>
-        </p:spPr>
-        <p:style>
-          <a:lnRef idx="2">
-            <a:schemeClr val="accent1">
-              <a:shade val="50000"/>
+              <a:shade val="15000"/>
             </a:schemeClr>
           </a:lnRef>
           <a:fillRef idx="1">
@@ -19512,1067 +20199,44 @@
           <a:lstStyle/>
           <a:p>
             <a:pPr algn="ctr"/>
-            <a:endParaRPr lang="en-US"/>
+            <a:endParaRPr lang="ru-RU"/>
           </a:p>
         </p:txBody>
       </p:sp>
-      <p:sp>
-        <p:nvSpPr>
-          <p:cNvPr id="2" name="Заголовок 1">
+      <p:pic>
+        <p:nvPicPr>
+          <p:cNvPr id="4" name="Рисунок 3" descr="Изображение выглядит как шаблон, прямоугольный, Симметрия, искусство&#10;&#10;Автоматически созданное описание">
             <a:extLst>
               <a:ext uri="{FF2B5EF4-FFF2-40B4-BE49-F238E27FC236}">
-                <a16:creationId xmlns:a16="http://schemas.microsoft.com/office/drawing/2014/main" id="{20DA5A6F-0A14-7C42-3832-8AC958E9BA3C}"/>
+                <a16:creationId xmlns:a16="http://schemas.microsoft.com/office/drawing/2014/main" id="{9DD75EAB-1379-9A5B-AFB2-E60B0A6C439D}"/>
               </a:ext>
             </a:extLst>
           </p:cNvPr>
-          <p:cNvSpPr>
-            <a:spLocks noGrp="1"/>
-          </p:cNvSpPr>
-          <p:nvPr>
-            <p:ph type="title"/>
-          </p:nvPr>
-        </p:nvSpPr>
+          <p:cNvPicPr>
+            <a:picLocks noChangeAspect="1"/>
+          </p:cNvPicPr>
+          <p:nvPr/>
+        </p:nvPicPr>
+        <p:blipFill>
+          <a:blip r:embed="rId2"/>
+          <a:stretch>
+            <a:fillRect/>
+          </a:stretch>
+        </p:blipFill>
         <p:spPr>
           <a:xfrm>
-            <a:off x="1487488" y="549275"/>
-            <a:ext cx="5437187" cy="3456401"/>
+            <a:off x="5842760" y="2799782"/>
+            <a:ext cx="2900767" cy="2900767"/>
           </a:xfrm>
+          <a:prstGeom prst="rect">
+            <a:avLst/>
+          </a:prstGeom>
         </p:spPr>
-        <p:txBody>
-          <a:bodyPr vert="horz" wrap="square" lIns="0" tIns="0" rIns="0" bIns="0" rtlCol="0" anchor="b" anchorCtr="0">
-            <a:normAutofit/>
-          </a:bodyPr>
-          <a:lstStyle/>
-          <a:p>
-            <a:r>
-              <a:rPr lang="en-US" sz="6400"/>
-              <a:t>Thank you for the attention.</a:t>
-            </a:r>
-          </a:p>
-        </p:txBody>
-      </p:sp>
-      <p:sp>
-        <p:nvSpPr>
-          <p:cNvPr id="36" name="Freeform: Shape 20">
-            <a:extLst>
-              <a:ext uri="{FF2B5EF4-FFF2-40B4-BE49-F238E27FC236}">
-                <a16:creationId xmlns:a16="http://schemas.microsoft.com/office/drawing/2014/main" id="{74033C2F-EE38-427C-97E3-08EAC8822A13}"/>
-              </a:ext>
-              <a:ext uri="{C183D7F6-B498-43B3-948B-1728B52AA6E4}">
-                <adec:decorative xmlns:adec="http://schemas.microsoft.com/office/drawing/2017/decorative" val="1"/>
-              </a:ext>
-            </a:extLst>
-          </p:cNvPr>
-          <p:cNvSpPr>
-            <a:spLocks noGrp="1" noRot="1" noChangeAspect="1" noMove="1" noResize="1" noEditPoints="1" noAdjustHandles="1" noChangeArrowheads="1" noChangeShapeType="1" noTextEdit="1"/>
-          </p:cNvSpPr>
-          <p:nvPr>
-            <p:extLst>
-              <p:ext uri="{386F3935-93C4-4BCD-93E2-E3B085C9AB24}">
-                <p16:designElem xmlns:p16="http://schemas.microsoft.com/office/powerpoint/2015/main" val="1"/>
-              </p:ext>
-            </p:extLst>
-          </p:nvPr>
-        </p:nvSpPr>
-        <p:spPr>
-          <a:xfrm>
-            <a:off x="1" y="471760"/>
-            <a:ext cx="666497" cy="1080000"/>
-          </a:xfrm>
-          <a:custGeom>
-            <a:avLst/>
-            <a:gdLst>
-              <a:gd name="connsiteX0" fmla="*/ 126497 w 666497"/>
-              <a:gd name="connsiteY0" fmla="*/ 0 h 1080000"/>
-              <a:gd name="connsiteX1" fmla="*/ 666497 w 666497"/>
-              <a:gd name="connsiteY1" fmla="*/ 540000 h 1080000"/>
-              <a:gd name="connsiteX2" fmla="*/ 126497 w 666497"/>
-              <a:gd name="connsiteY2" fmla="*/ 1080000 h 1080000"/>
-              <a:gd name="connsiteX3" fmla="*/ 17668 w 666497"/>
-              <a:gd name="connsiteY3" fmla="*/ 1069029 h 1080000"/>
-              <a:gd name="connsiteX4" fmla="*/ 0 w 666497"/>
-              <a:gd name="connsiteY4" fmla="*/ 1063545 h 1080000"/>
-              <a:gd name="connsiteX5" fmla="*/ 0 w 666497"/>
-              <a:gd name="connsiteY5" fmla="*/ 16455 h 1080000"/>
-              <a:gd name="connsiteX6" fmla="*/ 17668 w 666497"/>
-              <a:gd name="connsiteY6" fmla="*/ 10971 h 1080000"/>
-              <a:gd name="connsiteX7" fmla="*/ 126497 w 666497"/>
-              <a:gd name="connsiteY7" fmla="*/ 0 h 1080000"/>
-            </a:gdLst>
-            <a:ahLst/>
-            <a:cxnLst>
-              <a:cxn ang="0">
-                <a:pos x="connsiteX0" y="connsiteY0"/>
-              </a:cxn>
-              <a:cxn ang="0">
-                <a:pos x="connsiteX1" y="connsiteY1"/>
-              </a:cxn>
-              <a:cxn ang="0">
-                <a:pos x="connsiteX2" y="connsiteY2"/>
-              </a:cxn>
-              <a:cxn ang="0">
-                <a:pos x="connsiteX3" y="connsiteY3"/>
-              </a:cxn>
-              <a:cxn ang="0">
-                <a:pos x="connsiteX4" y="connsiteY4"/>
-              </a:cxn>
-              <a:cxn ang="0">
-                <a:pos x="connsiteX5" y="connsiteY5"/>
-              </a:cxn>
-              <a:cxn ang="0">
-                <a:pos x="connsiteX6" y="connsiteY6"/>
-              </a:cxn>
-              <a:cxn ang="0">
-                <a:pos x="connsiteX7" y="connsiteY7"/>
-              </a:cxn>
-            </a:cxnLst>
-            <a:rect l="l" t="t" r="r" b="b"/>
-            <a:pathLst>
-              <a:path w="666497" h="1080000">
-                <a:moveTo>
-                  <a:pt x="126497" y="0"/>
-                </a:moveTo>
-                <a:cubicBezTo>
-                  <a:pt x="424731" y="0"/>
-                  <a:pt x="666497" y="241766"/>
-                  <a:pt x="666497" y="540000"/>
-                </a:cubicBezTo>
-                <a:cubicBezTo>
-                  <a:pt x="666497" y="838234"/>
-                  <a:pt x="424731" y="1080000"/>
-                  <a:pt x="126497" y="1080000"/>
-                </a:cubicBezTo>
-                <a:cubicBezTo>
-                  <a:pt x="89218" y="1080000"/>
-                  <a:pt x="52821" y="1076222"/>
-                  <a:pt x="17668" y="1069029"/>
-                </a:cubicBezTo>
-                <a:lnTo>
-                  <a:pt x="0" y="1063545"/>
-                </a:lnTo>
-                <a:lnTo>
-                  <a:pt x="0" y="16455"/>
-                </a:lnTo>
-                <a:lnTo>
-                  <a:pt x="17668" y="10971"/>
-                </a:lnTo>
-                <a:cubicBezTo>
-                  <a:pt x="52821" y="3778"/>
-                  <a:pt x="89218" y="0"/>
-                  <a:pt x="126497" y="0"/>
-                </a:cubicBezTo>
-                <a:close/>
-              </a:path>
-            </a:pathLst>
-          </a:custGeom>
-          <a:gradFill flip="none" rotWithShape="1">
-            <a:gsLst>
-              <a:gs pos="100000">
-                <a:schemeClr val="bg2">
-                  <a:lumMod val="50000"/>
-                  <a:lumOff val="50000"/>
-                </a:schemeClr>
-              </a:gs>
-              <a:gs pos="60000">
-                <a:schemeClr val="bg2">
-                  <a:lumMod val="100000"/>
-                </a:schemeClr>
-              </a:gs>
-            </a:gsLst>
-            <a:path path="circle">
-              <a:fillToRect l="100000" b="100000"/>
-            </a:path>
-            <a:tileRect t="-100000" r="-100000"/>
-          </a:gradFill>
-          <a:ln>
-            <a:noFill/>
-          </a:ln>
-          <a:effectLst>
-            <a:innerShdw blurRad="254000" dist="127000" dir="2700000">
-              <a:schemeClr val="accent1">
-                <a:lumMod val="60000"/>
-                <a:lumOff val="40000"/>
-                <a:alpha val="40000"/>
-              </a:schemeClr>
-            </a:innerShdw>
-            <a:softEdge rad="0"/>
-          </a:effectLst>
-        </p:spPr>
-        <p:style>
-          <a:lnRef idx="2">
-            <a:schemeClr val="accent1">
-              <a:shade val="50000"/>
-            </a:schemeClr>
-          </a:lnRef>
-          <a:fillRef idx="1">
-            <a:schemeClr val="accent1"/>
-          </a:fillRef>
-          <a:effectRef idx="0">
-            <a:schemeClr val="accent1"/>
-          </a:effectRef>
-          <a:fontRef idx="minor">
-            <a:schemeClr val="lt1"/>
-          </a:fontRef>
-        </p:style>
-        <p:txBody>
-          <a:bodyPr rot="0" spcFirstLastPara="0" vertOverflow="overflow" horzOverflow="overflow" vert="horz" wrap="square" lIns="91440" tIns="45720" rIns="91440" bIns="45720" numCol="1" spcCol="0" rtlCol="0" fromWordArt="0" anchor="ctr" anchorCtr="0" forceAA="0" compatLnSpc="1">
-            <a:prstTxWarp prst="textNoShape">
-              <a:avLst/>
-            </a:prstTxWarp>
-            <a:noAutofit/>
-          </a:bodyPr>
-          <a:lstStyle/>
-          <a:p>
-            <a:pPr algn="ctr"/>
-            <a:endParaRPr lang="en-US"/>
-          </a:p>
-        </p:txBody>
-      </p:sp>
-      <p:grpSp>
-        <p:nvGrpSpPr>
-          <p:cNvPr id="37" name="Group 22">
-            <a:extLst>
-              <a:ext uri="{FF2B5EF4-FFF2-40B4-BE49-F238E27FC236}">
-                <a16:creationId xmlns:a16="http://schemas.microsoft.com/office/drawing/2014/main" id="{22940903-7865-4026-879C-CC1ADF9116B1}"/>
-              </a:ext>
-              <a:ext uri="{C183D7F6-B498-43B3-948B-1728B52AA6E4}">
-                <adec:decorative xmlns:adec="http://schemas.microsoft.com/office/drawing/2017/decorative" val="1"/>
-              </a:ext>
-            </a:extLst>
-          </p:cNvPr>
-          <p:cNvGrpSpPr>
-            <a:grpSpLocks noGrp="1" noUngrp="1" noRot="1" noChangeAspect="1" noMove="1" noResize="1"/>
-          </p:cNvGrpSpPr>
-          <p:nvPr>
-            <p:extLst>
-              <p:ext uri="{386F3935-93C4-4BCD-93E2-E3B085C9AB24}">
-                <p16:designElem xmlns:p16="http://schemas.microsoft.com/office/powerpoint/2015/main" val="1"/>
-              </p:ext>
-            </p:extLst>
-          </p:nvPr>
-        </p:nvGrpSpPr>
-        <p:grpSpPr>
-          <a:xfrm>
-            <a:off x="7634337" y="800983"/>
-            <a:ext cx="4006800" cy="3788841"/>
-            <a:chOff x="7762003" y="672385"/>
-            <a:chExt cx="4006800" cy="3788841"/>
-          </a:xfrm>
-        </p:grpSpPr>
-        <p:sp>
-          <p:nvSpPr>
-            <p:cNvPr id="24" name="Freeform: Shape 23">
-              <a:extLst>
-                <a:ext uri="{FF2B5EF4-FFF2-40B4-BE49-F238E27FC236}">
-                  <a16:creationId xmlns:a16="http://schemas.microsoft.com/office/drawing/2014/main" id="{982D1BD3-FFA8-4027-A890-672FDD8F70B4}"/>
-                </a:ext>
-                <a:ext uri="{C183D7F6-B498-43B3-948B-1728B52AA6E4}">
-                  <adec:decorative xmlns:adec="http://schemas.microsoft.com/office/drawing/2017/decorative" val="1"/>
-                </a:ext>
-              </a:extLst>
-            </p:cNvPr>
-            <p:cNvSpPr>
-              <a:spLocks noChangeAspect="1"/>
-            </p:cNvSpPr>
-            <p:nvPr>
-              <p:extLst>
-                <p:ext uri="{386F3935-93C4-4BCD-93E2-E3B085C9AB24}">
-                  <p16:designElem xmlns:p16="http://schemas.microsoft.com/office/powerpoint/2015/main" val="1"/>
-                </p:ext>
-              </p:extLst>
-            </p:nvPr>
-          </p:nvSpPr>
-          <p:spPr>
-            <a:xfrm rot="8100000">
-              <a:off x="8528803" y="672385"/>
-              <a:ext cx="3240000" cy="3788841"/>
-            </a:xfrm>
-            <a:custGeom>
-              <a:avLst/>
-              <a:gdLst>
-                <a:gd name="connsiteX0" fmla="*/ 540000 w 1080000"/>
-                <a:gd name="connsiteY0" fmla="*/ 0 h 1262947"/>
-                <a:gd name="connsiteX1" fmla="*/ 1080000 w 1080000"/>
-                <a:gd name="connsiteY1" fmla="*/ 931034 h 1262947"/>
-                <a:gd name="connsiteX2" fmla="*/ 1064374 w 1080000"/>
-                <a:gd name="connsiteY2" fmla="*/ 931034 h 1262947"/>
-                <a:gd name="connsiteX3" fmla="*/ 1069029 w 1080000"/>
-                <a:gd name="connsiteY3" fmla="*/ 938533 h 1262947"/>
-                <a:gd name="connsiteX4" fmla="*/ 1080000 w 1080000"/>
-                <a:gd name="connsiteY4" fmla="*/ 992947 h 1262947"/>
-                <a:gd name="connsiteX5" fmla="*/ 540000 w 1080000"/>
-                <a:gd name="connsiteY5" fmla="*/ 1262947 h 1262947"/>
-                <a:gd name="connsiteX6" fmla="*/ 0 w 1080000"/>
-                <a:gd name="connsiteY6" fmla="*/ 992947 h 1262947"/>
-                <a:gd name="connsiteX7" fmla="*/ 10971 w 1080000"/>
-                <a:gd name="connsiteY7" fmla="*/ 938533 h 1262947"/>
-                <a:gd name="connsiteX8" fmla="*/ 15626 w 1080000"/>
-                <a:gd name="connsiteY8" fmla="*/ 931034 h 1262947"/>
-                <a:gd name="connsiteX9" fmla="*/ 0 w 1080000"/>
-                <a:gd name="connsiteY9" fmla="*/ 931034 h 1262947"/>
-                <a:gd name="connsiteX0" fmla="*/ 540000 w 1080000"/>
-                <a:gd name="connsiteY0" fmla="*/ 0 h 1262947"/>
-                <a:gd name="connsiteX1" fmla="*/ 1080000 w 1080000"/>
-                <a:gd name="connsiteY1" fmla="*/ 931034 h 1262947"/>
-                <a:gd name="connsiteX2" fmla="*/ 1064374 w 1080000"/>
-                <a:gd name="connsiteY2" fmla="*/ 931034 h 1262947"/>
-                <a:gd name="connsiteX3" fmla="*/ 1069029 w 1080000"/>
-                <a:gd name="connsiteY3" fmla="*/ 938533 h 1262947"/>
-                <a:gd name="connsiteX4" fmla="*/ 1080000 w 1080000"/>
-                <a:gd name="connsiteY4" fmla="*/ 992947 h 1262947"/>
-                <a:gd name="connsiteX5" fmla="*/ 540000 w 1080000"/>
-                <a:gd name="connsiteY5" fmla="*/ 1262947 h 1262947"/>
-                <a:gd name="connsiteX6" fmla="*/ 0 w 1080000"/>
-                <a:gd name="connsiteY6" fmla="*/ 992947 h 1262947"/>
-                <a:gd name="connsiteX7" fmla="*/ 10971 w 1080000"/>
-                <a:gd name="connsiteY7" fmla="*/ 938533 h 1262947"/>
-                <a:gd name="connsiteX8" fmla="*/ 15626 w 1080000"/>
-                <a:gd name="connsiteY8" fmla="*/ 931034 h 1262947"/>
-                <a:gd name="connsiteX9" fmla="*/ 540000 w 1080000"/>
-                <a:gd name="connsiteY9" fmla="*/ 0 h 1262947"/>
-                <a:gd name="connsiteX0" fmla="*/ 540000 w 1080000"/>
-                <a:gd name="connsiteY0" fmla="*/ 0 h 1262947"/>
-                <a:gd name="connsiteX1" fmla="*/ 1064374 w 1080000"/>
-                <a:gd name="connsiteY1" fmla="*/ 931034 h 1262947"/>
-                <a:gd name="connsiteX2" fmla="*/ 1069029 w 1080000"/>
-                <a:gd name="connsiteY2" fmla="*/ 938533 h 1262947"/>
-                <a:gd name="connsiteX3" fmla="*/ 1080000 w 1080000"/>
-                <a:gd name="connsiteY3" fmla="*/ 992947 h 1262947"/>
-                <a:gd name="connsiteX4" fmla="*/ 540000 w 1080000"/>
-                <a:gd name="connsiteY4" fmla="*/ 1262947 h 1262947"/>
-                <a:gd name="connsiteX5" fmla="*/ 0 w 1080000"/>
-                <a:gd name="connsiteY5" fmla="*/ 992947 h 1262947"/>
-                <a:gd name="connsiteX6" fmla="*/ 10971 w 1080000"/>
-                <a:gd name="connsiteY6" fmla="*/ 938533 h 1262947"/>
-                <a:gd name="connsiteX7" fmla="*/ 15626 w 1080000"/>
-                <a:gd name="connsiteY7" fmla="*/ 931034 h 1262947"/>
-                <a:gd name="connsiteX8" fmla="*/ 540000 w 1080000"/>
-                <a:gd name="connsiteY8" fmla="*/ 0 h 1262947"/>
-              </a:gdLst>
-              <a:ahLst/>
-              <a:cxnLst>
-                <a:cxn ang="0">
-                  <a:pos x="connsiteX0" y="connsiteY0"/>
-                </a:cxn>
-                <a:cxn ang="0">
-                  <a:pos x="connsiteX1" y="connsiteY1"/>
-                </a:cxn>
-                <a:cxn ang="0">
-                  <a:pos x="connsiteX2" y="connsiteY2"/>
-                </a:cxn>
-                <a:cxn ang="0">
-                  <a:pos x="connsiteX3" y="connsiteY3"/>
-                </a:cxn>
-                <a:cxn ang="0">
-                  <a:pos x="connsiteX4" y="connsiteY4"/>
-                </a:cxn>
-                <a:cxn ang="0">
-                  <a:pos x="connsiteX5" y="connsiteY5"/>
-                </a:cxn>
-                <a:cxn ang="0">
-                  <a:pos x="connsiteX6" y="connsiteY6"/>
-                </a:cxn>
-                <a:cxn ang="0">
-                  <a:pos x="connsiteX7" y="connsiteY7"/>
-                </a:cxn>
-                <a:cxn ang="0">
-                  <a:pos x="connsiteX8" y="connsiteY8"/>
-                </a:cxn>
-              </a:cxnLst>
-              <a:rect l="l" t="t" r="r" b="b"/>
-              <a:pathLst>
-                <a:path w="1080000" h="1262947">
-                  <a:moveTo>
-                    <a:pt x="540000" y="0"/>
-                  </a:moveTo>
-                  <a:lnTo>
-                    <a:pt x="1064374" y="931034"/>
-                  </a:lnTo>
-                  <a:lnTo>
-                    <a:pt x="1069029" y="938533"/>
-                  </a:lnTo>
-                  <a:cubicBezTo>
-                    <a:pt x="1076223" y="956109"/>
-                    <a:pt x="1080000" y="974307"/>
-                    <a:pt x="1080000" y="992947"/>
-                  </a:cubicBezTo>
-                  <a:cubicBezTo>
-                    <a:pt x="1080000" y="1142064"/>
-                    <a:pt x="838234" y="1262947"/>
-                    <a:pt x="540000" y="1262947"/>
-                  </a:cubicBezTo>
-                  <a:cubicBezTo>
-                    <a:pt x="241766" y="1262947"/>
-                    <a:pt x="0" y="1142064"/>
-                    <a:pt x="0" y="992947"/>
-                  </a:cubicBezTo>
-                  <a:cubicBezTo>
-                    <a:pt x="0" y="974307"/>
-                    <a:pt x="3778" y="956109"/>
-                    <a:pt x="10971" y="938533"/>
-                  </a:cubicBezTo>
-                  <a:lnTo>
-                    <a:pt x="15626" y="931034"/>
-                  </a:lnTo>
-                  <a:lnTo>
-                    <a:pt x="540000" y="0"/>
-                  </a:lnTo>
-                  <a:close/>
-                </a:path>
-              </a:pathLst>
-            </a:custGeom>
-            <a:gradFill>
-              <a:gsLst>
-                <a:gs pos="60000">
-                  <a:schemeClr val="bg2">
-                    <a:lumMod val="90000"/>
-                    <a:lumOff val="10000"/>
-                  </a:schemeClr>
-                </a:gs>
-                <a:gs pos="30000">
-                  <a:schemeClr val="bg2">
-                    <a:lumMod val="90000"/>
-                    <a:lumOff val="10000"/>
-                  </a:schemeClr>
-                </a:gs>
-                <a:gs pos="40000">
-                  <a:schemeClr val="bg2">
-                    <a:lumMod val="75000"/>
-                    <a:lumOff val="25000"/>
-                  </a:schemeClr>
-                </a:gs>
-                <a:gs pos="100000">
-                  <a:schemeClr val="bg2"/>
-                </a:gs>
-              </a:gsLst>
-              <a:lin ang="600000" scaled="0"/>
-            </a:gradFill>
-            <a:ln>
-              <a:noFill/>
-            </a:ln>
-            <a:effectLst>
-              <a:innerShdw blurRad="508000" dist="203200" dir="9600000">
-                <a:schemeClr val="accent1">
-                  <a:lumMod val="60000"/>
-                  <a:lumOff val="40000"/>
-                  <a:alpha val="60000"/>
-                </a:schemeClr>
-              </a:innerShdw>
-            </a:effectLst>
-          </p:spPr>
-          <p:style>
-            <a:lnRef idx="2">
-              <a:schemeClr val="accent1">
-                <a:shade val="50000"/>
-              </a:schemeClr>
-            </a:lnRef>
-            <a:fillRef idx="1">
-              <a:schemeClr val="accent1"/>
-            </a:fillRef>
-            <a:effectRef idx="0">
-              <a:schemeClr val="accent1"/>
-            </a:effectRef>
-            <a:fontRef idx="minor">
-              <a:schemeClr val="lt1"/>
-            </a:fontRef>
-          </p:style>
-          <p:txBody>
-            <a:bodyPr rot="0" spcFirstLastPara="0" vertOverflow="overflow" horzOverflow="overflow" vert="horz" wrap="square" lIns="91440" tIns="45720" rIns="91440" bIns="45720" numCol="1" spcCol="0" rtlCol="0" fromWordArt="0" anchor="ctr" anchorCtr="0" forceAA="0" compatLnSpc="1">
-              <a:prstTxWarp prst="textNoShape">
-                <a:avLst/>
-              </a:prstTxWarp>
-              <a:noAutofit/>
-            </a:bodyPr>
-            <a:lstStyle/>
-            <a:p>
-              <a:pPr algn="ctr"/>
-              <a:endParaRPr lang="en-US"/>
-            </a:p>
-          </p:txBody>
-        </p:sp>
-        <p:sp>
-          <p:nvSpPr>
-            <p:cNvPr id="38" name="Oval 24">
-              <a:extLst>
-                <a:ext uri="{FF2B5EF4-FFF2-40B4-BE49-F238E27FC236}">
-                  <a16:creationId xmlns:a16="http://schemas.microsoft.com/office/drawing/2014/main" id="{7BC5C6D9-8420-4B6F-A949-7B6565266B45}"/>
-                </a:ext>
-                <a:ext uri="{C183D7F6-B498-43B3-948B-1728B52AA6E4}">
-                  <adec:decorative xmlns:adec="http://schemas.microsoft.com/office/drawing/2017/decorative" val="1"/>
-                </a:ext>
-              </a:extLst>
-            </p:cNvPr>
-            <p:cNvSpPr/>
-            <p:nvPr>
-              <p:extLst>
-                <p:ext uri="{386F3935-93C4-4BCD-93E2-E3B085C9AB24}">
-                  <p16:designElem xmlns:p16="http://schemas.microsoft.com/office/powerpoint/2015/main" val="1"/>
-                </p:ext>
-              </p:extLst>
-            </p:nvPr>
-          </p:nvSpPr>
-          <p:spPr>
-            <a:xfrm rot="13500000">
-              <a:off x="8572003" y="180004"/>
-              <a:ext cx="1620000" cy="3240000"/>
-            </a:xfrm>
-            <a:prstGeom prst="ellipse">
-              <a:avLst/>
-            </a:prstGeom>
-            <a:gradFill>
-              <a:gsLst>
-                <a:gs pos="100000">
-                  <a:schemeClr val="bg2">
-                    <a:lumMod val="90000"/>
-                    <a:lumOff val="10000"/>
-                  </a:schemeClr>
-                </a:gs>
-                <a:gs pos="50000">
-                  <a:schemeClr val="bg2">
-                    <a:lumMod val="90000"/>
-                    <a:lumOff val="10000"/>
-                  </a:schemeClr>
-                </a:gs>
-              </a:gsLst>
-              <a:lin ang="5400000" scaled="0"/>
-            </a:gradFill>
-            <a:ln>
-              <a:noFill/>
-            </a:ln>
-            <a:effectLst>
-              <a:innerShdw blurRad="1270000" dist="2540000">
-                <a:schemeClr val="accent1">
-                  <a:lumMod val="60000"/>
-                  <a:lumOff val="40000"/>
-                  <a:alpha val="0"/>
-                </a:schemeClr>
-              </a:innerShdw>
-            </a:effectLst>
-          </p:spPr>
-          <p:style>
-            <a:lnRef idx="2">
-              <a:schemeClr val="accent1">
-                <a:shade val="50000"/>
-              </a:schemeClr>
-            </a:lnRef>
-            <a:fillRef idx="1">
-              <a:schemeClr val="accent1"/>
-            </a:fillRef>
-            <a:effectRef idx="0">
-              <a:schemeClr val="accent1"/>
-            </a:effectRef>
-            <a:fontRef idx="minor">
-              <a:schemeClr val="lt1"/>
-            </a:fontRef>
-          </p:style>
-          <p:txBody>
-            <a:bodyPr rot="0" spcFirstLastPara="0" vertOverflow="overflow" horzOverflow="overflow" vert="horz" wrap="square" lIns="91440" tIns="45720" rIns="91440" bIns="45720" numCol="1" spcCol="0" rtlCol="0" fromWordArt="0" anchor="ctr" anchorCtr="0" forceAA="0" compatLnSpc="1">
-              <a:prstTxWarp prst="textNoShape">
-                <a:avLst/>
-              </a:prstTxWarp>
-              <a:noAutofit/>
-            </a:bodyPr>
-            <a:lstStyle/>
-            <a:p>
-              <a:pPr algn="ctr"/>
-              <a:endParaRPr lang="en-US"/>
-            </a:p>
-          </p:txBody>
-        </p:sp>
-      </p:grpSp>
-      <p:grpSp>
-        <p:nvGrpSpPr>
-          <p:cNvPr id="39" name="Group 26">
-            <a:extLst>
-              <a:ext uri="{FF2B5EF4-FFF2-40B4-BE49-F238E27FC236}">
-                <a16:creationId xmlns:a16="http://schemas.microsoft.com/office/drawing/2014/main" id="{E82CFC28-5F56-4F2C-A953-AB57C1CE5CE5}"/>
-              </a:ext>
-              <a:ext uri="{C183D7F6-B498-43B3-948B-1728B52AA6E4}">
-                <adec:decorative xmlns:adec="http://schemas.microsoft.com/office/drawing/2017/decorative" val="1"/>
-              </a:ext>
-            </a:extLst>
-          </p:cNvPr>
-          <p:cNvGrpSpPr>
-            <a:grpSpLocks noGrp="1" noUngrp="1" noRot="1" noChangeAspect="1" noMove="1" noResize="1"/>
-          </p:cNvGrpSpPr>
-          <p:nvPr>
-            <p:extLst>
-              <p:ext uri="{386F3935-93C4-4BCD-93E2-E3B085C9AB24}">
-                <p16:designElem xmlns:p16="http://schemas.microsoft.com/office/powerpoint/2015/main" val="1"/>
-              </p:ext>
-            </p:extLst>
-          </p:nvPr>
-        </p:nvGrpSpPr>
-        <p:grpSpPr>
-          <a:xfrm>
-            <a:off x="8004386" y="5149126"/>
-            <a:ext cx="762805" cy="734873"/>
-            <a:chOff x="7950336" y="1300590"/>
-            <a:chExt cx="762805" cy="734873"/>
-          </a:xfrm>
-        </p:grpSpPr>
-        <p:sp>
-          <p:nvSpPr>
-            <p:cNvPr id="28" name="Freeform 5">
-              <a:extLst>
-                <a:ext uri="{FF2B5EF4-FFF2-40B4-BE49-F238E27FC236}">
-                  <a16:creationId xmlns:a16="http://schemas.microsoft.com/office/drawing/2014/main" id="{492EB854-02D8-4A9E-8BA5-5FEE21DD094C}"/>
-                </a:ext>
-                <a:ext uri="{C183D7F6-B498-43B3-948B-1728B52AA6E4}">
-                  <adec:decorative xmlns:adec="http://schemas.microsoft.com/office/drawing/2017/decorative" val="1"/>
-                </a:ext>
-              </a:extLst>
-            </p:cNvPr>
-            <p:cNvSpPr>
-              <a:spLocks/>
-            </p:cNvSpPr>
-            <p:nvPr>
-              <p:extLst>
-                <p:ext uri="{386F3935-93C4-4BCD-93E2-E3B085C9AB24}">
-                  <p16:designElem xmlns:p16="http://schemas.microsoft.com/office/powerpoint/2015/main" val="1"/>
-                </p:ext>
-              </p:extLst>
-            </p:nvPr>
-          </p:nvSpPr>
-          <p:spPr bwMode="auto">
-            <a:xfrm rot="3600000">
-              <a:off x="8220298" y="1428832"/>
-              <a:ext cx="621086" cy="364601"/>
-            </a:xfrm>
-            <a:custGeom>
-              <a:avLst/>
-              <a:gdLst>
-                <a:gd name="T0" fmla="*/ 266 w 540"/>
-                <a:gd name="T1" fmla="*/ 0 h 317"/>
-                <a:gd name="T2" fmla="*/ 0 w 540"/>
-                <a:gd name="T3" fmla="*/ 158 h 317"/>
-                <a:gd name="T4" fmla="*/ 266 w 540"/>
-                <a:gd name="T5" fmla="*/ 317 h 317"/>
-                <a:gd name="T6" fmla="*/ 540 w 540"/>
-                <a:gd name="T7" fmla="*/ 158 h 317"/>
-                <a:gd name="T8" fmla="*/ 266 w 540"/>
-                <a:gd name="T9" fmla="*/ 0 h 317"/>
-              </a:gdLst>
-              <a:ahLst/>
-              <a:cxnLst>
-                <a:cxn ang="0">
-                  <a:pos x="T0" y="T1"/>
-                </a:cxn>
-                <a:cxn ang="0">
-                  <a:pos x="T2" y="T3"/>
-                </a:cxn>
-                <a:cxn ang="0">
-                  <a:pos x="T4" y="T5"/>
-                </a:cxn>
-                <a:cxn ang="0">
-                  <a:pos x="T6" y="T7"/>
-                </a:cxn>
-                <a:cxn ang="0">
-                  <a:pos x="T8" y="T9"/>
-                </a:cxn>
-              </a:cxnLst>
-              <a:rect l="0" t="0" r="r" b="b"/>
-              <a:pathLst>
-                <a:path w="540" h="317">
-                  <a:moveTo>
-                    <a:pt x="266" y="0"/>
-                  </a:moveTo>
-                  <a:lnTo>
-                    <a:pt x="0" y="158"/>
-                  </a:lnTo>
-                  <a:lnTo>
-                    <a:pt x="266" y="317"/>
-                  </a:lnTo>
-                  <a:lnTo>
-                    <a:pt x="540" y="158"/>
-                  </a:lnTo>
-                  <a:lnTo>
-                    <a:pt x="266" y="0"/>
-                  </a:lnTo>
-                  <a:close/>
-                </a:path>
-              </a:pathLst>
-            </a:custGeom>
-            <a:gradFill flip="none" rotWithShape="1">
-              <a:gsLst>
-                <a:gs pos="20000">
-                  <a:schemeClr val="bg2">
-                    <a:lumMod val="90000"/>
-                    <a:lumOff val="10000"/>
-                    <a:alpha val="60000"/>
-                  </a:schemeClr>
-                </a:gs>
-                <a:gs pos="100000">
-                  <a:schemeClr val="accent1">
-                    <a:lumMod val="60000"/>
-                    <a:lumOff val="40000"/>
-                    <a:alpha val="60000"/>
-                  </a:schemeClr>
-                </a:gs>
-              </a:gsLst>
-              <a:lin ang="0" scaled="0"/>
-              <a:tileRect/>
-            </a:gradFill>
-            <a:ln>
-              <a:noFill/>
-            </a:ln>
-            <a:effectLst>
-              <a:innerShdw blurRad="254000">
-                <a:schemeClr val="bg2"/>
-              </a:innerShdw>
-            </a:effectLst>
-          </p:spPr>
-          <p:style>
-            <a:lnRef idx="2">
-              <a:schemeClr val="accent1">
-                <a:shade val="50000"/>
-              </a:schemeClr>
-            </a:lnRef>
-            <a:fillRef idx="1">
-              <a:schemeClr val="accent1"/>
-            </a:fillRef>
-            <a:effectRef idx="0">
-              <a:schemeClr val="accent1"/>
-            </a:effectRef>
-            <a:fontRef idx="minor">
-              <a:schemeClr val="lt1"/>
-            </a:fontRef>
-          </p:style>
-          <p:txBody>
-            <a:bodyPr rot="0" spcFirstLastPara="0" vertOverflow="overflow" horzOverflow="overflow" vert="horz" wrap="square" lIns="91440" tIns="45720" rIns="91440" bIns="45720" numCol="1" spcCol="0" rtlCol="0" fromWordArt="0" anchor="ctr" anchorCtr="0" forceAA="0" compatLnSpc="1">
-              <a:prstTxWarp prst="textNoShape">
-                <a:avLst/>
-              </a:prstTxWarp>
-              <a:noAutofit/>
-            </a:bodyPr>
-            <a:lstStyle/>
-            <a:p>
-              <a:pPr algn="ctr"/>
-              <a:endParaRPr lang="en-US"/>
-            </a:p>
-          </p:txBody>
-        </p:sp>
-        <p:sp>
-          <p:nvSpPr>
-            <p:cNvPr id="29" name="Freeform 6">
-              <a:extLst>
-                <a:ext uri="{FF2B5EF4-FFF2-40B4-BE49-F238E27FC236}">
-                  <a16:creationId xmlns:a16="http://schemas.microsoft.com/office/drawing/2014/main" id="{A1676C39-91DD-4843-8315-4285BA1E7E87}"/>
-                </a:ext>
-                <a:ext uri="{C183D7F6-B498-43B3-948B-1728B52AA6E4}">
-                  <adec:decorative xmlns:adec="http://schemas.microsoft.com/office/drawing/2017/decorative" val="1"/>
-                </a:ext>
-              </a:extLst>
-            </p:cNvPr>
-            <p:cNvSpPr>
-              <a:spLocks/>
-            </p:cNvSpPr>
-            <p:nvPr>
-              <p:extLst>
-                <p:ext uri="{386F3935-93C4-4BCD-93E2-E3B085C9AB24}">
-                  <p16:designElem xmlns:p16="http://schemas.microsoft.com/office/powerpoint/2015/main" val="1"/>
-                </p:ext>
-              </p:extLst>
-            </p:nvPr>
-          </p:nvSpPr>
-          <p:spPr bwMode="auto">
-            <a:xfrm rot="3600000">
-              <a:off x="8066503" y="1339815"/>
-              <a:ext cx="305942" cy="538275"/>
-            </a:xfrm>
-            <a:custGeom>
-              <a:avLst/>
-              <a:gdLst>
-                <a:gd name="T0" fmla="*/ 266 w 266"/>
-                <a:gd name="T1" fmla="*/ 468 h 468"/>
-                <a:gd name="T2" fmla="*/ 0 w 266"/>
-                <a:gd name="T3" fmla="*/ 310 h 468"/>
-                <a:gd name="T4" fmla="*/ 0 w 266"/>
-                <a:gd name="T5" fmla="*/ 310 h 468"/>
-                <a:gd name="T6" fmla="*/ 0 w 266"/>
-                <a:gd name="T7" fmla="*/ 0 h 468"/>
-                <a:gd name="T8" fmla="*/ 0 w 266"/>
-                <a:gd name="T9" fmla="*/ 0 h 468"/>
-                <a:gd name="T10" fmla="*/ 266 w 266"/>
-                <a:gd name="T11" fmla="*/ 159 h 468"/>
-                <a:gd name="T12" fmla="*/ 266 w 266"/>
-                <a:gd name="T13" fmla="*/ 468 h 468"/>
-              </a:gdLst>
-              <a:ahLst/>
-              <a:cxnLst>
-                <a:cxn ang="0">
-                  <a:pos x="T0" y="T1"/>
-                </a:cxn>
-                <a:cxn ang="0">
-                  <a:pos x="T2" y="T3"/>
-                </a:cxn>
-                <a:cxn ang="0">
-                  <a:pos x="T4" y="T5"/>
-                </a:cxn>
-                <a:cxn ang="0">
-                  <a:pos x="T6" y="T7"/>
-                </a:cxn>
-                <a:cxn ang="0">
-                  <a:pos x="T8" y="T9"/>
-                </a:cxn>
-                <a:cxn ang="0">
-                  <a:pos x="T10" y="T11"/>
-                </a:cxn>
-                <a:cxn ang="0">
-                  <a:pos x="T12" y="T13"/>
-                </a:cxn>
-              </a:cxnLst>
-              <a:rect l="0" t="0" r="r" b="b"/>
-              <a:pathLst>
-                <a:path w="266" h="468">
-                  <a:moveTo>
-                    <a:pt x="266" y="468"/>
-                  </a:moveTo>
-                  <a:lnTo>
-                    <a:pt x="0" y="310"/>
-                  </a:lnTo>
-                  <a:lnTo>
-                    <a:pt x="0" y="310"/>
-                  </a:lnTo>
-                  <a:lnTo>
-                    <a:pt x="0" y="0"/>
-                  </a:lnTo>
-                  <a:lnTo>
-                    <a:pt x="0" y="0"/>
-                  </a:lnTo>
-                  <a:lnTo>
-                    <a:pt x="266" y="159"/>
-                  </a:lnTo>
-                  <a:lnTo>
-                    <a:pt x="266" y="468"/>
-                  </a:lnTo>
-                  <a:close/>
-                </a:path>
-              </a:pathLst>
-            </a:custGeom>
-            <a:gradFill flip="none" rotWithShape="1">
-              <a:gsLst>
-                <a:gs pos="20000">
-                  <a:schemeClr val="bg2">
-                    <a:lumMod val="90000"/>
-                    <a:lumOff val="10000"/>
-                    <a:alpha val="60000"/>
-                  </a:schemeClr>
-                </a:gs>
-                <a:gs pos="100000">
-                  <a:schemeClr val="accent1">
-                    <a:lumMod val="60000"/>
-                    <a:lumOff val="40000"/>
-                  </a:schemeClr>
-                </a:gs>
-              </a:gsLst>
-              <a:lin ang="18000000" scaled="0"/>
-              <a:tileRect/>
-            </a:gradFill>
-            <a:ln>
-              <a:noFill/>
-            </a:ln>
-            <a:effectLst>
-              <a:innerShdw blurRad="254000">
-                <a:schemeClr val="bg2">
-                  <a:lumMod val="90000"/>
-                  <a:lumOff val="10000"/>
-                </a:schemeClr>
-              </a:innerShdw>
-            </a:effectLst>
-          </p:spPr>
-          <p:style>
-            <a:lnRef idx="2">
-              <a:schemeClr val="accent1">
-                <a:shade val="50000"/>
-              </a:schemeClr>
-            </a:lnRef>
-            <a:fillRef idx="1">
-              <a:schemeClr val="accent1"/>
-            </a:fillRef>
-            <a:effectRef idx="0">
-              <a:schemeClr val="accent1"/>
-            </a:effectRef>
-            <a:fontRef idx="minor">
-              <a:schemeClr val="lt1"/>
-            </a:fontRef>
-          </p:style>
-          <p:txBody>
-            <a:bodyPr rot="0" spcFirstLastPara="0" vertOverflow="overflow" horzOverflow="overflow" vert="horz" wrap="square" lIns="91440" tIns="45720" rIns="91440" bIns="45720" numCol="1" spcCol="0" rtlCol="0" fromWordArt="0" anchor="ctr" anchorCtr="0" forceAA="0" compatLnSpc="1">
-              <a:prstTxWarp prst="textNoShape">
-                <a:avLst/>
-              </a:prstTxWarp>
-              <a:noAutofit/>
-            </a:bodyPr>
-            <a:lstStyle/>
-            <a:p>
-              <a:pPr algn="ctr"/>
-              <a:endParaRPr lang="en-US"/>
-            </a:p>
-          </p:txBody>
-        </p:sp>
-        <p:sp>
-          <p:nvSpPr>
-            <p:cNvPr id="30" name="Freeform 8">
-              <a:extLst>
-                <a:ext uri="{FF2B5EF4-FFF2-40B4-BE49-F238E27FC236}">
-                  <a16:creationId xmlns:a16="http://schemas.microsoft.com/office/drawing/2014/main" id="{B339FEEC-A688-4A3E-BA2C-8FC738A8AF43}"/>
-                </a:ext>
-                <a:ext uri="{C183D7F6-B498-43B3-948B-1728B52AA6E4}">
-                  <adec:decorative xmlns:adec="http://schemas.microsoft.com/office/drawing/2017/decorative" val="1"/>
-                </a:ext>
-              </a:extLst>
-            </p:cNvPr>
-            <p:cNvSpPr>
-              <a:spLocks/>
-            </p:cNvSpPr>
-            <p:nvPr>
-              <p:extLst>
-                <p:ext uri="{386F3935-93C4-4BCD-93E2-E3B085C9AB24}">
-                  <p16:designElem xmlns:p16="http://schemas.microsoft.com/office/powerpoint/2015/main" val="1"/>
-                </p:ext>
-              </p:extLst>
-            </p:nvPr>
-          </p:nvSpPr>
-          <p:spPr bwMode="auto">
-            <a:xfrm rot="3600000">
-              <a:off x="8217173" y="1608753"/>
-              <a:ext cx="315144" cy="538275"/>
-            </a:xfrm>
-            <a:custGeom>
-              <a:avLst/>
-              <a:gdLst>
-                <a:gd name="T0" fmla="*/ 274 w 274"/>
-                <a:gd name="T1" fmla="*/ 0 h 468"/>
-                <a:gd name="T2" fmla="*/ 274 w 274"/>
-                <a:gd name="T3" fmla="*/ 310 h 468"/>
-                <a:gd name="T4" fmla="*/ 274 w 274"/>
-                <a:gd name="T5" fmla="*/ 310 h 468"/>
-                <a:gd name="T6" fmla="*/ 0 w 274"/>
-                <a:gd name="T7" fmla="*/ 468 h 468"/>
-                <a:gd name="T8" fmla="*/ 0 w 274"/>
-                <a:gd name="T9" fmla="*/ 159 h 468"/>
-                <a:gd name="T10" fmla="*/ 274 w 274"/>
-                <a:gd name="T11" fmla="*/ 0 h 468"/>
-                <a:gd name="T12" fmla="*/ 274 w 274"/>
-                <a:gd name="T13" fmla="*/ 0 h 468"/>
-              </a:gdLst>
-              <a:ahLst/>
-              <a:cxnLst>
-                <a:cxn ang="0">
-                  <a:pos x="T0" y="T1"/>
-                </a:cxn>
-                <a:cxn ang="0">
-                  <a:pos x="T2" y="T3"/>
-                </a:cxn>
-                <a:cxn ang="0">
-                  <a:pos x="T4" y="T5"/>
-                </a:cxn>
-                <a:cxn ang="0">
-                  <a:pos x="T6" y="T7"/>
-                </a:cxn>
-                <a:cxn ang="0">
-                  <a:pos x="T8" y="T9"/>
-                </a:cxn>
-                <a:cxn ang="0">
-                  <a:pos x="T10" y="T11"/>
-                </a:cxn>
-                <a:cxn ang="0">
-                  <a:pos x="T12" y="T13"/>
-                </a:cxn>
-              </a:cxnLst>
-              <a:rect l="0" t="0" r="r" b="b"/>
-              <a:pathLst>
-                <a:path w="274" h="468">
-                  <a:moveTo>
-                    <a:pt x="274" y="0"/>
-                  </a:moveTo>
-                  <a:lnTo>
-                    <a:pt x="274" y="310"/>
-                  </a:lnTo>
-                  <a:lnTo>
-                    <a:pt x="274" y="310"/>
-                  </a:lnTo>
-                  <a:lnTo>
-                    <a:pt x="0" y="468"/>
-                  </a:lnTo>
-                  <a:lnTo>
-                    <a:pt x="0" y="159"/>
-                  </a:lnTo>
-                  <a:lnTo>
-                    <a:pt x="274" y="0"/>
-                  </a:lnTo>
-                  <a:lnTo>
-                    <a:pt x="274" y="0"/>
-                  </a:lnTo>
-                  <a:close/>
-                </a:path>
-              </a:pathLst>
-            </a:custGeom>
-            <a:gradFill flip="none" rotWithShape="1">
-              <a:gsLst>
-                <a:gs pos="20000">
-                  <a:schemeClr val="bg2">
-                    <a:lumMod val="90000"/>
-                    <a:lumOff val="10000"/>
-                    <a:alpha val="60000"/>
-                  </a:schemeClr>
-                </a:gs>
-                <a:gs pos="100000">
-                  <a:schemeClr val="accent1">
-                    <a:lumMod val="60000"/>
-                    <a:lumOff val="40000"/>
-                    <a:alpha val="60000"/>
-                  </a:schemeClr>
-                </a:gs>
-              </a:gsLst>
-              <a:lin ang="18000000" scaled="0"/>
-              <a:tileRect/>
-            </a:gradFill>
-            <a:ln>
-              <a:noFill/>
-            </a:ln>
-            <a:effectLst>
-              <a:innerShdw blurRad="508000">
-                <a:schemeClr val="bg2"/>
-              </a:innerShdw>
-            </a:effectLst>
-          </p:spPr>
-          <p:style>
-            <a:lnRef idx="2">
-              <a:schemeClr val="accent1">
-                <a:shade val="50000"/>
-              </a:schemeClr>
-            </a:lnRef>
-            <a:fillRef idx="1">
-              <a:schemeClr val="accent1"/>
-            </a:fillRef>
-            <a:effectRef idx="0">
-              <a:schemeClr val="accent1"/>
-            </a:effectRef>
-            <a:fontRef idx="minor">
-              <a:schemeClr val="lt1"/>
-            </a:fontRef>
-          </p:style>
-          <p:txBody>
-            <a:bodyPr rot="0" spcFirstLastPara="0" vertOverflow="overflow" horzOverflow="overflow" vert="horz" wrap="square" lIns="91440" tIns="45720" rIns="91440" bIns="45720" numCol="1" spcCol="0" rtlCol="0" fromWordArt="0" anchor="ctr" anchorCtr="0" forceAA="0" compatLnSpc="1">
-              <a:prstTxWarp prst="textNoShape">
-                <a:avLst/>
-              </a:prstTxWarp>
-              <a:noAutofit/>
-            </a:bodyPr>
-            <a:lstStyle/>
-            <a:p>
-              <a:pPr algn="ctr"/>
-              <a:endParaRPr lang="en-US"/>
-            </a:p>
-          </p:txBody>
-        </p:sp>
-      </p:grpSp>
+      </p:pic>
     </p:spTree>
     <p:extLst>
       <p:ext uri="{BB962C8B-B14F-4D97-AF65-F5344CB8AC3E}">
-        <p14:creationId xmlns:p14="http://schemas.microsoft.com/office/powerpoint/2010/main" val="2551926625"/>
+        <p14:creationId xmlns:p14="http://schemas.microsoft.com/office/powerpoint/2010/main" val="3345972059"/>
       </p:ext>
     </p:extLst>
   </p:cSld>
